--- a/02 Scheduler/200414_MotionProfile 정리.pptx
+++ b/02 Scheduler/200414_MotionProfile 정리.pptx
@@ -8179,7 +8179,7 @@
             </p:nvSpPr>
             <p:spPr>
               <a:xfrm>
-                <a:off x="1007604" y="1726822"/>
+                <a:off x="827584" y="1785514"/>
                 <a:ext cx="7668852" cy="2359620"/>
               </a:xfrm>
               <a:prstGeom prst="rect">
@@ -9249,7 +9249,7 @@
             </p:nvSpPr>
             <p:spPr>
               <a:xfrm>
-                <a:off x="1007604" y="1726822"/>
+                <a:off x="827584" y="1785514"/>
                 <a:ext cx="7668852" cy="2359620"/>
               </a:xfrm>
               <a:prstGeom prst="rect">
@@ -9258,7 +9258,7 @@
               <a:blipFill>
                 <a:blip r:embed="rId3"/>
                 <a:stretch>
-                  <a:fillRect l="-636" t="-1292"/>
+                  <a:fillRect l="-715" t="-1550"/>
                 </a:stretch>
               </a:blipFill>
             </p:spPr>
@@ -9363,7 +9363,7 @@
             </p:nvSpPr>
             <p:spPr>
               <a:xfrm>
-                <a:off x="6948264" y="4098787"/>
+                <a:off x="6768244" y="4157479"/>
                 <a:ext cx="1487908" cy="451021"/>
               </a:xfrm>
               <a:prstGeom prst="rect">
@@ -9545,7 +9545,7 @@
             </p:nvSpPr>
             <p:spPr>
               <a:xfrm>
-                <a:off x="6948264" y="4098787"/>
+                <a:off x="6768244" y="4157479"/>
                 <a:ext cx="1487908" cy="451021"/>
               </a:xfrm>
               <a:prstGeom prst="rect">

--- a/02 Scheduler/200414_MotionProfile 정리.pptx
+++ b/02 Scheduler/200414_MotionProfile 정리.pptx
@@ -5,7 +5,7 @@
     <p:sldMasterId id="2147483672" r:id="rId1"/>
   </p:sldMasterIdLst>
   <p:notesMasterIdLst>
-    <p:notesMasterId r:id="rId8"/>
+    <p:notesMasterId r:id="rId10"/>
   </p:notesMasterIdLst>
   <p:sldIdLst>
     <p:sldId id="305" r:id="rId2"/>
@@ -14,42 +14,44 @@
     <p:sldId id="514" r:id="rId5"/>
     <p:sldId id="515" r:id="rId6"/>
     <p:sldId id="516" r:id="rId7"/>
+    <p:sldId id="517" r:id="rId8"/>
+    <p:sldId id="518" r:id="rId9"/>
   </p:sldIdLst>
   <p:sldSz cx="9144000" cy="6858000" type="screen4x3"/>
   <p:notesSz cx="6797675" cy="9926638"/>
   <p:embeddedFontLst>
     <p:embeddedFont>
       <p:font typeface="-윤고딕320" panose="020B0600000101010101" charset="-127"/>
-      <p:regular r:id="rId9"/>
+      <p:regular r:id="rId11"/>
     </p:embeddedFont>
     <p:embeddedFont>
       <p:font typeface="-윤고딕330" panose="020B0600000101010101" charset="-127"/>
-      <p:regular r:id="rId10"/>
+      <p:regular r:id="rId12"/>
     </p:embeddedFont>
     <p:embeddedFont>
       <p:font typeface="Calibri" panose="020F0502020204030204" pitchFamily="34" charset="0"/>
-      <p:regular r:id="rId11"/>
-      <p:bold r:id="rId12"/>
-      <p:italic r:id="rId13"/>
-      <p:boldItalic r:id="rId14"/>
+      <p:regular r:id="rId13"/>
+      <p:bold r:id="rId14"/>
+      <p:italic r:id="rId15"/>
+      <p:boldItalic r:id="rId16"/>
     </p:embeddedFont>
     <p:embeddedFont>
       <p:font typeface="Calibri Light" panose="020F0302020204030204" pitchFamily="34" charset="0"/>
-      <p:regular r:id="rId15"/>
-      <p:italic r:id="rId16"/>
+      <p:regular r:id="rId17"/>
+      <p:italic r:id="rId18"/>
     </p:embeddedFont>
     <p:embeddedFont>
       <p:font typeface="Cambria Math" panose="02040503050406030204" pitchFamily="18" charset="0"/>
-      <p:regular r:id="rId17"/>
+      <p:regular r:id="rId19"/>
     </p:embeddedFont>
     <p:embeddedFont>
       <p:font typeface="HY견고딕" panose="02030600000101010101" pitchFamily="18" charset="-127"/>
-      <p:regular r:id="rId18"/>
+      <p:regular r:id="rId20"/>
     </p:embeddedFont>
     <p:embeddedFont>
       <p:font typeface="맑은 고딕" panose="020B0503020000020004" pitchFamily="50" charset="-127"/>
-      <p:regular r:id="rId19"/>
-      <p:bold r:id="rId20"/>
+      <p:regular r:id="rId21"/>
+      <p:bold r:id="rId22"/>
     </p:embeddedFont>
   </p:embeddedFontLst>
   <p:defaultTextStyle>
@@ -261,7 +263,7 @@
             <a:fld id="{5A3A39F1-8DBE-4B2C-A5AA-02BE4DE26BF5}" type="datetimeFigureOut">
               <a:rPr lang="ko-KR" altLang="en-US" smtClean="0"/>
               <a:pPr/>
-              <a:t>2020-04-14</a:t>
+              <a:t>2020-04-17</a:t>
             </a:fld>
             <a:endParaRPr lang="ko-KR" altLang="en-US"/>
           </a:p>
@@ -860,6 +862,176 @@
     <p:extLst>
       <p:ext uri="{BB962C8B-B14F-4D97-AF65-F5344CB8AC3E}">
         <p14:creationId xmlns:p14="http://schemas.microsoft.com/office/powerpoint/2010/main" val="1666442633"/>
+      </p:ext>
+    </p:extLst>
+  </p:cSld>
+  <p:clrMapOvr>
+    <a:masterClrMapping/>
+  </p:clrMapOvr>
+</p:notes>
+</file>
+
+<file path=ppt/notesSlides/notesSlide5.xml><?xml version="1.0" encoding="utf-8"?>
+<p:notes xmlns:a="http://schemas.openxmlformats.org/drawingml/2006/main" xmlns:r="http://schemas.openxmlformats.org/officeDocument/2006/relationships" xmlns:p="http://schemas.openxmlformats.org/presentationml/2006/main">
+  <p:cSld>
+    <p:spTree>
+      <p:nvGrpSpPr>
+        <p:cNvPr id="1" name=""/>
+        <p:cNvGrpSpPr/>
+        <p:nvPr/>
+      </p:nvGrpSpPr>
+      <p:grpSpPr>
+        <a:xfrm>
+          <a:off x="0" y="0"/>
+          <a:ext cx="0" cy="0"/>
+          <a:chOff x="0" y="0"/>
+          <a:chExt cx="0" cy="0"/>
+        </a:xfrm>
+      </p:grpSpPr>
+      <p:sp>
+        <p:nvSpPr>
+          <p:cNvPr id="2" name="슬라이드 이미지 개체 틀 1"/>
+          <p:cNvSpPr>
+            <a:spLocks noGrp="1" noRot="1" noChangeAspect="1"/>
+          </p:cNvSpPr>
+          <p:nvPr>
+            <p:ph type="sldImg"/>
+          </p:nvPr>
+        </p:nvSpPr>
+        <p:spPr/>
+      </p:sp>
+      <p:sp>
+        <p:nvSpPr>
+          <p:cNvPr id="3" name="슬라이드 노트 개체 틀 2"/>
+          <p:cNvSpPr>
+            <a:spLocks noGrp="1"/>
+          </p:cNvSpPr>
+          <p:nvPr>
+            <p:ph type="body" idx="1"/>
+          </p:nvPr>
+        </p:nvSpPr>
+        <p:spPr/>
+        <p:txBody>
+          <a:bodyPr/>
+          <a:lstStyle/>
+          <a:p>
+            <a:endParaRPr lang="en-US" altLang="ko-KR" dirty="0"/>
+          </a:p>
+        </p:txBody>
+      </p:sp>
+      <p:sp>
+        <p:nvSpPr>
+          <p:cNvPr id="4" name="슬라이드 번호 개체 틀 3"/>
+          <p:cNvSpPr>
+            <a:spLocks noGrp="1"/>
+          </p:cNvSpPr>
+          <p:nvPr>
+            <p:ph type="sldNum" sz="quarter" idx="10"/>
+          </p:nvPr>
+        </p:nvSpPr>
+        <p:spPr/>
+        <p:txBody>
+          <a:bodyPr/>
+          <a:lstStyle/>
+          <a:p>
+            <a:fld id="{28FFD5DF-F421-4615-9A02-33328C180693}" type="slidenum">
+              <a:rPr lang="ko-KR" altLang="en-US" smtClean="0"/>
+              <a:pPr/>
+              <a:t>7</a:t>
+            </a:fld>
+            <a:endParaRPr lang="ko-KR" altLang="en-US"/>
+          </a:p>
+        </p:txBody>
+      </p:sp>
+    </p:spTree>
+    <p:extLst>
+      <p:ext uri="{BB962C8B-B14F-4D97-AF65-F5344CB8AC3E}">
+        <p14:creationId xmlns:p14="http://schemas.microsoft.com/office/powerpoint/2010/main" val="905586831"/>
+      </p:ext>
+    </p:extLst>
+  </p:cSld>
+  <p:clrMapOvr>
+    <a:masterClrMapping/>
+  </p:clrMapOvr>
+</p:notes>
+</file>
+
+<file path=ppt/notesSlides/notesSlide6.xml><?xml version="1.0" encoding="utf-8"?>
+<p:notes xmlns:a="http://schemas.openxmlformats.org/drawingml/2006/main" xmlns:r="http://schemas.openxmlformats.org/officeDocument/2006/relationships" xmlns:p="http://schemas.openxmlformats.org/presentationml/2006/main">
+  <p:cSld>
+    <p:spTree>
+      <p:nvGrpSpPr>
+        <p:cNvPr id="1" name=""/>
+        <p:cNvGrpSpPr/>
+        <p:nvPr/>
+      </p:nvGrpSpPr>
+      <p:grpSpPr>
+        <a:xfrm>
+          <a:off x="0" y="0"/>
+          <a:ext cx="0" cy="0"/>
+          <a:chOff x="0" y="0"/>
+          <a:chExt cx="0" cy="0"/>
+        </a:xfrm>
+      </p:grpSpPr>
+      <p:sp>
+        <p:nvSpPr>
+          <p:cNvPr id="2" name="슬라이드 이미지 개체 틀 1"/>
+          <p:cNvSpPr>
+            <a:spLocks noGrp="1" noRot="1" noChangeAspect="1"/>
+          </p:cNvSpPr>
+          <p:nvPr>
+            <p:ph type="sldImg"/>
+          </p:nvPr>
+        </p:nvSpPr>
+        <p:spPr/>
+      </p:sp>
+      <p:sp>
+        <p:nvSpPr>
+          <p:cNvPr id="3" name="슬라이드 노트 개체 틀 2"/>
+          <p:cNvSpPr>
+            <a:spLocks noGrp="1"/>
+          </p:cNvSpPr>
+          <p:nvPr>
+            <p:ph type="body" idx="1"/>
+          </p:nvPr>
+        </p:nvSpPr>
+        <p:spPr/>
+        <p:txBody>
+          <a:bodyPr/>
+          <a:lstStyle/>
+          <a:p>
+            <a:endParaRPr lang="en-US" altLang="ko-KR" dirty="0"/>
+          </a:p>
+        </p:txBody>
+      </p:sp>
+      <p:sp>
+        <p:nvSpPr>
+          <p:cNvPr id="4" name="슬라이드 번호 개체 틀 3"/>
+          <p:cNvSpPr>
+            <a:spLocks noGrp="1"/>
+          </p:cNvSpPr>
+          <p:nvPr>
+            <p:ph type="sldNum" sz="quarter" idx="10"/>
+          </p:nvPr>
+        </p:nvSpPr>
+        <p:spPr/>
+        <p:txBody>
+          <a:bodyPr/>
+          <a:lstStyle/>
+          <a:p>
+            <a:fld id="{28FFD5DF-F421-4615-9A02-33328C180693}" type="slidenum">
+              <a:rPr lang="ko-KR" altLang="en-US" smtClean="0"/>
+              <a:pPr/>
+              <a:t>8</a:t>
+            </a:fld>
+            <a:endParaRPr lang="ko-KR" altLang="en-US"/>
+          </a:p>
+        </p:txBody>
+      </p:sp>
+    </p:spTree>
+    <p:extLst>
+      <p:ext uri="{BB962C8B-B14F-4D97-AF65-F5344CB8AC3E}">
+        <p14:creationId xmlns:p14="http://schemas.microsoft.com/office/powerpoint/2010/main" val="1510926786"/>
       </p:ext>
     </p:extLst>
   </p:cSld>
@@ -3573,8 +3745,8 @@
           </a:fontRef>
         </p:style>
       </p:cxnSp>
-      <mc:AlternateContent xmlns:mc="http://schemas.openxmlformats.org/markup-compatibility/2006">
-        <mc:Choice xmlns:a14="http://schemas.microsoft.com/office/drawing/2010/main" Requires="a14">
+      <mc:AlternateContent xmlns:mc="http://schemas.openxmlformats.org/markup-compatibility/2006" xmlns:a14="http://schemas.microsoft.com/office/drawing/2010/main">
+        <mc:Choice Requires="a14">
           <p:sp>
             <p:nvSpPr>
               <p:cNvPr id="29" name="TextBox 28">
@@ -3603,6 +3775,7 @@
               </a:bodyPr>
               <a:lstStyle/>
               <a:p>
+                <a:pPr/>
                 <a14:m>
                   <m:oMathPara xmlns:m="http://schemas.openxmlformats.org/officeDocument/2006/math">
                     <m:oMathParaPr>
@@ -3642,7 +3815,7 @@
             </p:txBody>
           </p:sp>
         </mc:Choice>
-        <mc:Fallback>
+        <mc:Fallback xmlns="">
           <p:sp>
             <p:nvSpPr>
               <p:cNvPr id="29" name="TextBox 28">
@@ -3687,8 +3860,8 @@
           </p:sp>
         </mc:Fallback>
       </mc:AlternateContent>
-      <mc:AlternateContent xmlns:mc="http://schemas.openxmlformats.org/markup-compatibility/2006">
-        <mc:Choice xmlns:a14="http://schemas.microsoft.com/office/drawing/2010/main" Requires="a14">
+      <mc:AlternateContent xmlns:mc="http://schemas.openxmlformats.org/markup-compatibility/2006" xmlns:a14="http://schemas.microsoft.com/office/drawing/2010/main">
+        <mc:Choice Requires="a14">
           <p:sp>
             <p:nvSpPr>
               <p:cNvPr id="30" name="TextBox 29">
@@ -3717,6 +3890,7 @@
               </a:bodyPr>
               <a:lstStyle/>
               <a:p>
+                <a:pPr/>
                 <a14:m>
                   <m:oMathPara xmlns:m="http://schemas.openxmlformats.org/officeDocument/2006/math">
                     <m:oMathParaPr>
@@ -3756,7 +3930,7 @@
             </p:txBody>
           </p:sp>
         </mc:Choice>
-        <mc:Fallback>
+        <mc:Fallback xmlns="">
           <p:sp>
             <p:nvSpPr>
               <p:cNvPr id="30" name="TextBox 29">
@@ -3801,8 +3975,8 @@
           </p:sp>
         </mc:Fallback>
       </mc:AlternateContent>
-      <mc:AlternateContent xmlns:mc="http://schemas.openxmlformats.org/markup-compatibility/2006">
-        <mc:Choice xmlns:a14="http://schemas.microsoft.com/office/drawing/2010/main" Requires="a14">
+      <mc:AlternateContent xmlns:mc="http://schemas.openxmlformats.org/markup-compatibility/2006" xmlns:a14="http://schemas.microsoft.com/office/drawing/2010/main">
+        <mc:Choice Requires="a14">
           <p:sp>
             <p:nvSpPr>
               <p:cNvPr id="31" name="TextBox 30">
@@ -3831,6 +4005,7 @@
               </a:bodyPr>
               <a:lstStyle/>
               <a:p>
+                <a:pPr/>
                 <a14:m>
                   <m:oMathPara xmlns:m="http://schemas.openxmlformats.org/officeDocument/2006/math">
                     <m:oMathParaPr>
@@ -3870,7 +4045,7 @@
             </p:txBody>
           </p:sp>
         </mc:Choice>
-        <mc:Fallback>
+        <mc:Fallback xmlns="">
           <p:sp>
             <p:nvSpPr>
               <p:cNvPr id="31" name="TextBox 30">
@@ -3961,8 +4136,8 @@
           </a:fontRef>
         </p:style>
       </p:cxnSp>
-      <mc:AlternateContent xmlns:mc="http://schemas.openxmlformats.org/markup-compatibility/2006">
-        <mc:Choice xmlns:a14="http://schemas.microsoft.com/office/drawing/2010/main" Requires="a14">
+      <mc:AlternateContent xmlns:mc="http://schemas.openxmlformats.org/markup-compatibility/2006" xmlns:a14="http://schemas.microsoft.com/office/drawing/2010/main">
+        <mc:Choice Requires="a14">
           <p:sp>
             <p:nvSpPr>
               <p:cNvPr id="33" name="TextBox 32">
@@ -3991,6 +4166,7 @@
               </a:bodyPr>
               <a:lstStyle/>
               <a:p>
+                <a:pPr/>
                 <a14:m>
                   <m:oMathPara xmlns:m="http://schemas.openxmlformats.org/officeDocument/2006/math">
                     <m:oMathParaPr>
@@ -4193,7 +4369,7 @@
             </p:txBody>
           </p:sp>
         </mc:Choice>
-        <mc:Fallback>
+        <mc:Fallback xmlns="">
           <p:sp>
             <p:nvSpPr>
               <p:cNvPr id="33" name="TextBox 32">
@@ -4238,8 +4414,8 @@
           </p:sp>
         </mc:Fallback>
       </mc:AlternateContent>
-      <mc:AlternateContent xmlns:mc="http://schemas.openxmlformats.org/markup-compatibility/2006">
-        <mc:Choice xmlns:a14="http://schemas.microsoft.com/office/drawing/2010/main" Requires="a14">
+      <mc:AlternateContent xmlns:mc="http://schemas.openxmlformats.org/markup-compatibility/2006" xmlns:a14="http://schemas.microsoft.com/office/drawing/2010/main">
+        <mc:Choice Requires="a14">
           <p:sp>
             <p:nvSpPr>
               <p:cNvPr id="34" name="TextBox 33">
@@ -4268,6 +4444,7 @@
               </a:bodyPr>
               <a:lstStyle/>
               <a:p>
+                <a:pPr/>
                 <a14:m>
                   <m:oMathPara xmlns:m="http://schemas.openxmlformats.org/officeDocument/2006/math">
                     <m:oMathParaPr>
@@ -4288,7 +4465,7 @@
             </p:txBody>
           </p:sp>
         </mc:Choice>
-        <mc:Fallback>
+        <mc:Fallback xmlns="">
           <p:sp>
             <p:nvSpPr>
               <p:cNvPr id="34" name="TextBox 33">
@@ -4333,8 +4510,8 @@
           </p:sp>
         </mc:Fallback>
       </mc:AlternateContent>
-      <mc:AlternateContent xmlns:mc="http://schemas.openxmlformats.org/markup-compatibility/2006">
-        <mc:Choice xmlns:a14="http://schemas.microsoft.com/office/drawing/2010/main" Requires="a14">
+      <mc:AlternateContent xmlns:mc="http://schemas.openxmlformats.org/markup-compatibility/2006" xmlns:a14="http://schemas.microsoft.com/office/drawing/2010/main">
+        <mc:Choice Requires="a14">
           <p:sp>
             <p:nvSpPr>
               <p:cNvPr id="35" name="TextBox 34">
@@ -4363,6 +4540,7 @@
               </a:bodyPr>
               <a:lstStyle/>
               <a:p>
+                <a:pPr/>
                 <a14:m>
                   <m:oMathPara xmlns:m="http://schemas.openxmlformats.org/officeDocument/2006/math">
                     <m:oMathParaPr>
@@ -4383,6 +4561,7 @@
                 </a:endParaRPr>
               </a:p>
               <a:p>
+                <a:pPr/>
                 <a14:m>
                   <m:oMathPara xmlns:m="http://schemas.openxmlformats.org/officeDocument/2006/math">
                     <m:oMathParaPr>
@@ -4403,7 +4582,7 @@
             </p:txBody>
           </p:sp>
         </mc:Choice>
-        <mc:Fallback>
+        <mc:Fallback xmlns="">
           <p:sp>
             <p:nvSpPr>
               <p:cNvPr id="35" name="TextBox 34">
@@ -4448,8 +4627,8 @@
           </p:sp>
         </mc:Fallback>
       </mc:AlternateContent>
-      <mc:AlternateContent xmlns:mc="http://schemas.openxmlformats.org/markup-compatibility/2006">
-        <mc:Choice xmlns:a14="http://schemas.microsoft.com/office/drawing/2010/main" Requires="a14">
+      <mc:AlternateContent xmlns:mc="http://schemas.openxmlformats.org/markup-compatibility/2006" xmlns:a14="http://schemas.microsoft.com/office/drawing/2010/main">
+        <mc:Choice Requires="a14">
           <p:sp>
             <p:nvSpPr>
               <p:cNvPr id="36" name="TextBox 35">
@@ -4478,6 +4657,7 @@
               </a:bodyPr>
               <a:lstStyle/>
               <a:p>
+                <a:pPr/>
                 <a14:m>
                   <m:oMathPara xmlns:m="http://schemas.openxmlformats.org/officeDocument/2006/math">
                     <m:oMathParaPr>
@@ -4498,6 +4678,7 @@
                 </a:endParaRPr>
               </a:p>
               <a:p>
+                <a:pPr/>
                 <a14:m>
                   <m:oMathPara xmlns:m="http://schemas.openxmlformats.org/officeDocument/2006/math">
                     <m:oMathParaPr>
@@ -4518,7 +4699,7 @@
             </p:txBody>
           </p:sp>
         </mc:Choice>
-        <mc:Fallback>
+        <mc:Fallback xmlns="">
           <p:sp>
             <p:nvSpPr>
               <p:cNvPr id="36" name="TextBox 35">
@@ -4772,8 +4953,8 @@
           </a:p>
         </p:txBody>
       </p:sp>
-      <mc:AlternateContent xmlns:mc="http://schemas.openxmlformats.org/markup-compatibility/2006">
-        <mc:Choice xmlns:a14="http://schemas.microsoft.com/office/drawing/2010/main" Requires="a14">
+      <mc:AlternateContent xmlns:mc="http://schemas.openxmlformats.org/markup-compatibility/2006" xmlns:a14="http://schemas.microsoft.com/office/drawing/2010/main">
+        <mc:Choice Requires="a14">
           <p:sp>
             <p:nvSpPr>
               <p:cNvPr id="33" name="TextBox 32">
@@ -4802,6 +4983,7 @@
               </a:bodyPr>
               <a:lstStyle/>
               <a:p>
+                <a:pPr/>
                 <a14:m>
                   <m:oMathPara xmlns:m="http://schemas.openxmlformats.org/officeDocument/2006/math">
                     <m:oMathParaPr>
@@ -5012,6 +5194,7 @@
                 <a:endParaRPr lang="en-US" altLang="ko-KR" b="0" dirty="0"/>
               </a:p>
               <a:p>
+                <a:pPr/>
                 <a14:m>
                   <m:oMathPara xmlns:m="http://schemas.openxmlformats.org/officeDocument/2006/math">
                     <m:oMathParaPr>
@@ -5077,6 +5260,7 @@
                 </a:endParaRPr>
               </a:p>
               <a:p>
+                <a:pPr/>
                 <a14:m>
                   <m:oMathPara xmlns:m="http://schemas.openxmlformats.org/officeDocument/2006/math">
                     <m:oMathParaPr>
@@ -5197,7 +5381,7 @@
             </p:txBody>
           </p:sp>
         </mc:Choice>
-        <mc:Fallback>
+        <mc:Fallback xmlns="">
           <p:sp>
             <p:nvSpPr>
               <p:cNvPr id="33" name="TextBox 32">
@@ -6015,8 +6199,8 @@
           </a:fontRef>
         </p:style>
       </p:cxnSp>
-      <mc:AlternateContent xmlns:mc="http://schemas.openxmlformats.org/markup-compatibility/2006">
-        <mc:Choice xmlns:a14="http://schemas.microsoft.com/office/drawing/2010/main" Requires="a14">
+      <mc:AlternateContent xmlns:mc="http://schemas.openxmlformats.org/markup-compatibility/2006" xmlns:a14="http://schemas.microsoft.com/office/drawing/2010/main">
+        <mc:Choice Requires="a14">
           <p:sp>
             <p:nvSpPr>
               <p:cNvPr id="29" name="TextBox 28">
@@ -6045,6 +6229,7 @@
               </a:bodyPr>
               <a:lstStyle/>
               <a:p>
+                <a:pPr/>
                 <a14:m>
                   <m:oMathPara xmlns:m="http://schemas.openxmlformats.org/officeDocument/2006/math">
                     <m:oMathParaPr>
@@ -6084,7 +6269,7 @@
             </p:txBody>
           </p:sp>
         </mc:Choice>
-        <mc:Fallback>
+        <mc:Fallback xmlns="">
           <p:sp>
             <p:nvSpPr>
               <p:cNvPr id="29" name="TextBox 28">
@@ -6129,8 +6314,8 @@
           </p:sp>
         </mc:Fallback>
       </mc:AlternateContent>
-      <mc:AlternateContent xmlns:mc="http://schemas.openxmlformats.org/markup-compatibility/2006">
-        <mc:Choice xmlns:a14="http://schemas.microsoft.com/office/drawing/2010/main" Requires="a14">
+      <mc:AlternateContent xmlns:mc="http://schemas.openxmlformats.org/markup-compatibility/2006" xmlns:a14="http://schemas.microsoft.com/office/drawing/2010/main">
+        <mc:Choice Requires="a14">
           <p:sp>
             <p:nvSpPr>
               <p:cNvPr id="30" name="TextBox 29">
@@ -6159,6 +6344,7 @@
               </a:bodyPr>
               <a:lstStyle/>
               <a:p>
+                <a:pPr/>
                 <a14:m>
                   <m:oMathPara xmlns:m="http://schemas.openxmlformats.org/officeDocument/2006/math">
                     <m:oMathParaPr>
@@ -6198,7 +6384,7 @@
             </p:txBody>
           </p:sp>
         </mc:Choice>
-        <mc:Fallback>
+        <mc:Fallback xmlns="">
           <p:sp>
             <p:nvSpPr>
               <p:cNvPr id="30" name="TextBox 29">
@@ -6243,8 +6429,8 @@
           </p:sp>
         </mc:Fallback>
       </mc:AlternateContent>
-      <mc:AlternateContent xmlns:mc="http://schemas.openxmlformats.org/markup-compatibility/2006">
-        <mc:Choice xmlns:a14="http://schemas.microsoft.com/office/drawing/2010/main" Requires="a14">
+      <mc:AlternateContent xmlns:mc="http://schemas.openxmlformats.org/markup-compatibility/2006" xmlns:a14="http://schemas.microsoft.com/office/drawing/2010/main">
+        <mc:Choice Requires="a14">
           <p:sp>
             <p:nvSpPr>
               <p:cNvPr id="31" name="TextBox 30">
@@ -6273,6 +6459,7 @@
               </a:bodyPr>
               <a:lstStyle/>
               <a:p>
+                <a:pPr/>
                 <a14:m>
                   <m:oMathPara xmlns:m="http://schemas.openxmlformats.org/officeDocument/2006/math">
                     <m:oMathParaPr>
@@ -6312,7 +6499,7 @@
             </p:txBody>
           </p:sp>
         </mc:Choice>
-        <mc:Fallback>
+        <mc:Fallback xmlns="">
           <p:sp>
             <p:nvSpPr>
               <p:cNvPr id="31" name="TextBox 30">
@@ -6403,8 +6590,8 @@
           </a:fontRef>
         </p:style>
       </p:cxnSp>
-      <mc:AlternateContent xmlns:mc="http://schemas.openxmlformats.org/markup-compatibility/2006">
-        <mc:Choice xmlns:a14="http://schemas.microsoft.com/office/drawing/2010/main" Requires="a14">
+      <mc:AlternateContent xmlns:mc="http://schemas.openxmlformats.org/markup-compatibility/2006" xmlns:a14="http://schemas.microsoft.com/office/drawing/2010/main">
+        <mc:Choice Requires="a14">
           <p:sp>
             <p:nvSpPr>
               <p:cNvPr id="34" name="TextBox 33">
@@ -6433,6 +6620,7 @@
               </a:bodyPr>
               <a:lstStyle/>
               <a:p>
+                <a:pPr/>
                 <a14:m>
                   <m:oMathPara xmlns:m="http://schemas.openxmlformats.org/officeDocument/2006/math">
                     <m:oMathParaPr>
@@ -6453,7 +6641,7 @@
             </p:txBody>
           </p:sp>
         </mc:Choice>
-        <mc:Fallback>
+        <mc:Fallback xmlns="">
           <p:sp>
             <p:nvSpPr>
               <p:cNvPr id="34" name="TextBox 33">
@@ -6498,8 +6686,8 @@
           </p:sp>
         </mc:Fallback>
       </mc:AlternateContent>
-      <mc:AlternateContent xmlns:mc="http://schemas.openxmlformats.org/markup-compatibility/2006">
-        <mc:Choice xmlns:a14="http://schemas.microsoft.com/office/drawing/2010/main" Requires="a14">
+      <mc:AlternateContent xmlns:mc="http://schemas.openxmlformats.org/markup-compatibility/2006" xmlns:a14="http://schemas.microsoft.com/office/drawing/2010/main">
+        <mc:Choice Requires="a14">
           <p:sp>
             <p:nvSpPr>
               <p:cNvPr id="35" name="TextBox 34">
@@ -6528,6 +6716,7 @@
               </a:bodyPr>
               <a:lstStyle/>
               <a:p>
+                <a:pPr/>
                 <a14:m>
                   <m:oMathPara xmlns:m="http://schemas.openxmlformats.org/officeDocument/2006/math">
                     <m:oMathParaPr>
@@ -6548,6 +6737,7 @@
                 </a:endParaRPr>
               </a:p>
               <a:p>
+                <a:pPr/>
                 <a14:m>
                   <m:oMathPara xmlns:m="http://schemas.openxmlformats.org/officeDocument/2006/math">
                     <m:oMathParaPr>
@@ -6568,7 +6758,7 @@
             </p:txBody>
           </p:sp>
         </mc:Choice>
-        <mc:Fallback>
+        <mc:Fallback xmlns="">
           <p:sp>
             <p:nvSpPr>
               <p:cNvPr id="35" name="TextBox 34">
@@ -6613,8 +6803,8 @@
           </p:sp>
         </mc:Fallback>
       </mc:AlternateContent>
-      <mc:AlternateContent xmlns:mc="http://schemas.openxmlformats.org/markup-compatibility/2006">
-        <mc:Choice xmlns:a14="http://schemas.microsoft.com/office/drawing/2010/main" Requires="a14">
+      <mc:AlternateContent xmlns:mc="http://schemas.openxmlformats.org/markup-compatibility/2006" xmlns:a14="http://schemas.microsoft.com/office/drawing/2010/main">
+        <mc:Choice Requires="a14">
           <p:sp>
             <p:nvSpPr>
               <p:cNvPr id="36" name="TextBox 35">
@@ -6643,6 +6833,7 @@
               </a:bodyPr>
               <a:lstStyle/>
               <a:p>
+                <a:pPr/>
                 <a14:m>
                   <m:oMathPara xmlns:m="http://schemas.openxmlformats.org/officeDocument/2006/math">
                     <m:oMathParaPr>
@@ -6663,6 +6854,7 @@
                 </a:endParaRPr>
               </a:p>
               <a:p>
+                <a:pPr/>
                 <a14:m>
                   <m:oMathPara xmlns:m="http://schemas.openxmlformats.org/officeDocument/2006/math">
                     <m:oMathParaPr>
@@ -6683,7 +6875,7 @@
             </p:txBody>
           </p:sp>
         </mc:Choice>
-        <mc:Fallback>
+        <mc:Fallback xmlns="">
           <p:sp>
             <p:nvSpPr>
               <p:cNvPr id="36" name="TextBox 35">
@@ -6728,8 +6920,8 @@
           </p:sp>
         </mc:Fallback>
       </mc:AlternateContent>
-      <mc:AlternateContent xmlns:mc="http://schemas.openxmlformats.org/markup-compatibility/2006">
-        <mc:Choice xmlns:a14="http://schemas.microsoft.com/office/drawing/2010/main" Requires="a14">
+      <mc:AlternateContent xmlns:mc="http://schemas.openxmlformats.org/markup-compatibility/2006" xmlns:a14="http://schemas.microsoft.com/office/drawing/2010/main">
+        <mc:Choice Requires="a14">
           <p:sp>
             <p:nvSpPr>
               <p:cNvPr id="23" name="TextBox 22">
@@ -6758,6 +6950,7 @@
               </a:bodyPr>
               <a:lstStyle/>
               <a:p>
+                <a:pPr/>
                 <a14:m>
                   <m:oMathPara xmlns:m="http://schemas.openxmlformats.org/officeDocument/2006/math">
                     <m:oMathParaPr>
@@ -6797,7 +6990,7 @@
             </p:txBody>
           </p:sp>
         </mc:Choice>
-        <mc:Fallback>
+        <mc:Fallback xmlns="">
           <p:sp>
             <p:nvSpPr>
               <p:cNvPr id="23" name="TextBox 22">
@@ -6842,8 +7035,8 @@
           </p:sp>
         </mc:Fallback>
       </mc:AlternateContent>
-      <mc:AlternateContent xmlns:mc="http://schemas.openxmlformats.org/markup-compatibility/2006">
-        <mc:Choice xmlns:a14="http://schemas.microsoft.com/office/drawing/2010/main" Requires="a14">
+      <mc:AlternateContent xmlns:mc="http://schemas.openxmlformats.org/markup-compatibility/2006" xmlns:a14="http://schemas.microsoft.com/office/drawing/2010/main">
+        <mc:Choice Requires="a14">
           <p:sp>
             <p:nvSpPr>
               <p:cNvPr id="26" name="TextBox 25">
@@ -6872,6 +7065,7 @@
               </a:bodyPr>
               <a:lstStyle/>
               <a:p>
+                <a:pPr/>
                 <a14:m>
                   <m:oMathPara xmlns:m="http://schemas.openxmlformats.org/officeDocument/2006/math">
                     <m:oMathParaPr>
@@ -6911,7 +7105,7 @@
             </p:txBody>
           </p:sp>
         </mc:Choice>
-        <mc:Fallback>
+        <mc:Fallback xmlns="">
           <p:sp>
             <p:nvSpPr>
               <p:cNvPr id="26" name="TextBox 25">
@@ -6956,8 +7150,8 @@
           </p:sp>
         </mc:Fallback>
       </mc:AlternateContent>
-      <mc:AlternateContent xmlns:mc="http://schemas.openxmlformats.org/markup-compatibility/2006">
-        <mc:Choice xmlns:a14="http://schemas.microsoft.com/office/drawing/2010/main" Requires="a14">
+      <mc:AlternateContent xmlns:mc="http://schemas.openxmlformats.org/markup-compatibility/2006" xmlns:a14="http://schemas.microsoft.com/office/drawing/2010/main">
+        <mc:Choice Requires="a14">
           <p:sp>
             <p:nvSpPr>
               <p:cNvPr id="27" name="TextBox 26">
@@ -6986,6 +7180,7 @@
               </a:bodyPr>
               <a:lstStyle/>
               <a:p>
+                <a:pPr/>
                 <a14:m>
                   <m:oMathPara xmlns:m="http://schemas.openxmlformats.org/officeDocument/2006/math">
                     <m:oMathParaPr>
@@ -7025,7 +7220,7 @@
             </p:txBody>
           </p:sp>
         </mc:Choice>
-        <mc:Fallback>
+        <mc:Fallback xmlns="">
           <p:sp>
             <p:nvSpPr>
               <p:cNvPr id="27" name="TextBox 26">
@@ -7070,8 +7265,8 @@
           </p:sp>
         </mc:Fallback>
       </mc:AlternateContent>
-      <mc:AlternateContent xmlns:mc="http://schemas.openxmlformats.org/markup-compatibility/2006">
-        <mc:Choice xmlns:a14="http://schemas.microsoft.com/office/drawing/2010/main" Requires="a14">
+      <mc:AlternateContent xmlns:mc="http://schemas.openxmlformats.org/markup-compatibility/2006" xmlns:a14="http://schemas.microsoft.com/office/drawing/2010/main">
+        <mc:Choice Requires="a14">
           <p:sp>
             <p:nvSpPr>
               <p:cNvPr id="37" name="TextBox 36">
@@ -7350,7 +7545,7 @@
             </p:txBody>
           </p:sp>
         </mc:Choice>
-        <mc:Fallback>
+        <mc:Fallback xmlns="">
           <p:sp>
             <p:nvSpPr>
               <p:cNvPr id="37" name="TextBox 36">
@@ -7395,8 +7590,8 @@
           </p:sp>
         </mc:Fallback>
       </mc:AlternateContent>
-      <mc:AlternateContent xmlns:mc="http://schemas.openxmlformats.org/markup-compatibility/2006">
-        <mc:Choice xmlns:a14="http://schemas.microsoft.com/office/drawing/2010/main" Requires="a14">
+      <mc:AlternateContent xmlns:mc="http://schemas.openxmlformats.org/markup-compatibility/2006" xmlns:a14="http://schemas.microsoft.com/office/drawing/2010/main">
+        <mc:Choice Requires="a14">
           <p:sp>
             <p:nvSpPr>
               <p:cNvPr id="40" name="TextBox 39">
@@ -7958,7 +8153,7 @@
             </p:txBody>
           </p:sp>
         </mc:Choice>
-        <mc:Fallback>
+        <mc:Fallback xmlns="">
           <p:sp>
             <p:nvSpPr>
               <p:cNvPr id="40" name="TextBox 39">
@@ -8163,8 +8358,8 @@
           </a:p>
         </p:txBody>
       </p:sp>
-      <mc:AlternateContent xmlns:mc="http://schemas.openxmlformats.org/markup-compatibility/2006">
-        <mc:Choice xmlns:a14="http://schemas.microsoft.com/office/drawing/2010/main" Requires="a14">
+      <mc:AlternateContent xmlns:mc="http://schemas.openxmlformats.org/markup-compatibility/2006" xmlns:a14="http://schemas.microsoft.com/office/drawing/2010/main">
+        <mc:Choice Requires="a14">
           <p:sp>
             <p:nvSpPr>
               <p:cNvPr id="33" name="TextBox 32">
@@ -8193,7 +8388,6 @@
               </a:bodyPr>
               <a:lstStyle/>
               <a:p>
-                <a:pPr/>
                 <a:r>
                   <a:rPr lang="en-US" altLang="ko-KR" b="0" i="1" dirty="0">
                     <a:latin typeface="Cambria Math" panose="02040503050406030204" pitchFamily="18" charset="0"/>
@@ -8219,6 +8413,7 @@
                 </a:endParaRPr>
               </a:p>
               <a:p>
+                <a:pPr/>
                 <a14:m>
                   <m:oMathPara xmlns:m="http://schemas.openxmlformats.org/officeDocument/2006/math">
                     <m:oMathParaPr>
@@ -9232,7 +9427,7 @@
             </p:txBody>
           </p:sp>
         </mc:Choice>
-        <mc:Fallback>
+        <mc:Fallback xmlns="">
           <p:sp>
             <p:nvSpPr>
               <p:cNvPr id="33" name="TextBox 32">
@@ -9347,8 +9542,8 @@
           </a:p>
         </p:txBody>
       </p:sp>
-      <mc:AlternateContent xmlns:mc="http://schemas.openxmlformats.org/markup-compatibility/2006">
-        <mc:Choice xmlns:a14="http://schemas.microsoft.com/office/drawing/2010/main" Requires="a14">
+      <mc:AlternateContent xmlns:mc="http://schemas.openxmlformats.org/markup-compatibility/2006" xmlns:a14="http://schemas.microsoft.com/office/drawing/2010/main">
+        <mc:Choice Requires="a14">
           <p:sp>
             <p:nvSpPr>
               <p:cNvPr id="2" name="직사각형 1">
@@ -9528,7 +9723,7 @@
             </p:txBody>
           </p:sp>
         </mc:Choice>
-        <mc:Fallback>
+        <mc:Fallback xmlns="">
           <p:sp>
             <p:nvSpPr>
               <p:cNvPr id="2" name="직사각형 1">
@@ -9577,6 +9772,2016 @@
     <p:extLst>
       <p:ext uri="{BB962C8B-B14F-4D97-AF65-F5344CB8AC3E}">
         <p14:creationId xmlns:p14="http://schemas.microsoft.com/office/powerpoint/2010/main" val="3512527368"/>
+      </p:ext>
+    </p:extLst>
+  </p:cSld>
+  <p:clrMapOvr>
+    <a:masterClrMapping/>
+  </p:clrMapOvr>
+</p:sld>
+</file>
+
+<file path=ppt/slides/slide7.xml><?xml version="1.0" encoding="utf-8"?>
+<p:sld xmlns:a="http://schemas.openxmlformats.org/drawingml/2006/main" xmlns:r="http://schemas.openxmlformats.org/officeDocument/2006/relationships" xmlns:p="http://schemas.openxmlformats.org/presentationml/2006/main">
+  <p:cSld>
+    <p:spTree>
+      <p:nvGrpSpPr>
+        <p:cNvPr id="1" name=""/>
+        <p:cNvGrpSpPr/>
+        <p:nvPr/>
+      </p:nvGrpSpPr>
+      <p:grpSpPr>
+        <a:xfrm>
+          <a:off x="0" y="0"/>
+          <a:ext cx="0" cy="0"/>
+          <a:chOff x="0" y="0"/>
+          <a:chExt cx="0" cy="0"/>
+        </a:xfrm>
+      </p:grpSpPr>
+      <p:sp>
+        <p:nvSpPr>
+          <p:cNvPr id="11" name="TextBox 10"/>
+          <p:cNvSpPr txBox="1"/>
+          <p:nvPr/>
+        </p:nvSpPr>
+        <p:spPr>
+          <a:xfrm>
+            <a:off x="323528" y="980728"/>
+            <a:ext cx="1641796" cy="400110"/>
+          </a:xfrm>
+          <a:prstGeom prst="rect">
+            <a:avLst/>
+          </a:prstGeom>
+          <a:noFill/>
+        </p:spPr>
+        <p:txBody>
+          <a:bodyPr wrap="none" rtlCol="0">
+            <a:spAutoFit/>
+          </a:bodyPr>
+          <a:lstStyle/>
+          <a:p>
+            <a:r>
+              <a:rPr lang="ko-KR" altLang="en-US" sz="2000" dirty="0">
+                <a:latin typeface="맑은 고딕"/>
+                <a:ea typeface="맑은 고딕"/>
+              </a:rPr>
+              <a:t>▣ </a:t>
+            </a:r>
+            <a:r>
+              <a:rPr lang="ko-KR" altLang="en-US" sz="2000" dirty="0">
+                <a:latin typeface="HY견고딕" panose="02030600000101010101" pitchFamily="18" charset="-127"/>
+                <a:ea typeface="HY견고딕" panose="02030600000101010101" pitchFamily="18" charset="-127"/>
+              </a:rPr>
+              <a:t>속도 계산</a:t>
+            </a:r>
+            <a:endParaRPr lang="en-US" altLang="ko-KR" sz="2000" dirty="0">
+              <a:latin typeface="HY견고딕" panose="02030600000101010101" pitchFamily="18" charset="-127"/>
+              <a:ea typeface="HY견고딕" panose="02030600000101010101" pitchFamily="18" charset="-127"/>
+            </a:endParaRPr>
+          </a:p>
+        </p:txBody>
+      </p:sp>
+      <p:sp>
+        <p:nvSpPr>
+          <p:cNvPr id="7" name="TextBox 6"/>
+          <p:cNvSpPr txBox="1"/>
+          <p:nvPr/>
+        </p:nvSpPr>
+        <p:spPr>
+          <a:xfrm>
+            <a:off x="323528" y="169476"/>
+            <a:ext cx="8640960" cy="523220"/>
+          </a:xfrm>
+          <a:prstGeom prst="rect">
+            <a:avLst/>
+          </a:prstGeom>
+          <a:noFill/>
+        </p:spPr>
+        <p:txBody>
+          <a:bodyPr wrap="square" rtlCol="0">
+            <a:spAutoFit/>
+          </a:bodyPr>
+          <a:lstStyle/>
+          <a:p>
+            <a:pPr latinLnBrk="0"/>
+            <a:r>
+              <a:rPr lang="en-US" altLang="ko-KR" sz="2800" b="1" kern="0" dirty="0">
+                <a:ln>
+                  <a:solidFill>
+                    <a:prstClr val="white">
+                      <a:alpha val="0"/>
+                    </a:prstClr>
+                  </a:solidFill>
+                </a:ln>
+                <a:solidFill>
+                  <a:srgbClr val="1F497D">
+                    <a:lumMod val="50000"/>
+                  </a:srgbClr>
+                </a:solidFill>
+                <a:latin typeface="HY견고딕" pitchFamily="18" charset="-127"/>
+                <a:ea typeface="HY견고딕" pitchFamily="18" charset="-127"/>
+                <a:cs typeface="Arial" panose="020B0604020202020204" pitchFamily="34" charset="0"/>
+              </a:rPr>
+              <a:t>3. </a:t>
+            </a:r>
+            <a:r>
+              <a:rPr lang="ko-KR" altLang="en-US" sz="2800" b="1" kern="0" dirty="0">
+                <a:ln>
+                  <a:solidFill>
+                    <a:prstClr val="white">
+                      <a:alpha val="0"/>
+                    </a:prstClr>
+                  </a:solidFill>
+                </a:ln>
+                <a:solidFill>
+                  <a:srgbClr val="1F497D">
+                    <a:lumMod val="50000"/>
+                  </a:srgbClr>
+                </a:solidFill>
+                <a:latin typeface="HY견고딕" pitchFamily="18" charset="-127"/>
+                <a:ea typeface="HY견고딕" pitchFamily="18" charset="-127"/>
+                <a:cs typeface="Arial" panose="020B0604020202020204" pitchFamily="34" charset="0"/>
+              </a:rPr>
+              <a:t>이동 평균 프로파일</a:t>
+            </a:r>
+            <a:endParaRPr lang="ko-KR" altLang="en-US" sz="2800" b="1" kern="0" spc="-150" dirty="0">
+              <a:gradFill>
+                <a:gsLst>
+                  <a:gs pos="100000">
+                    <a:schemeClr val="tx2">
+                      <a:lumMod val="75000"/>
+                    </a:schemeClr>
+                  </a:gs>
+                  <a:gs pos="100000">
+                    <a:prstClr val="black">
+                      <a:lumMod val="85000"/>
+                      <a:lumOff val="15000"/>
+                    </a:prstClr>
+                  </a:gs>
+                </a:gsLst>
+                <a:lin ang="5400000" scaled="1"/>
+              </a:gradFill>
+              <a:latin typeface="-윤고딕330" panose="02030504000101010101" pitchFamily="18" charset="-127"/>
+              <a:ea typeface="-윤고딕330" panose="02030504000101010101" pitchFamily="18" charset="-127"/>
+              <a:cs typeface="Arial" panose="020B0604020202020204" pitchFamily="34" charset="0"/>
+            </a:endParaRPr>
+          </a:p>
+        </p:txBody>
+      </p:sp>
+      <p:grpSp>
+        <p:nvGrpSpPr>
+          <p:cNvPr id="19" name="그룹 18">
+            <a:extLst>
+              <a:ext uri="{FF2B5EF4-FFF2-40B4-BE49-F238E27FC236}">
+                <a16:creationId xmlns:a16="http://schemas.microsoft.com/office/drawing/2014/main" id="{7326EC1B-F099-46AD-A3B2-1067609B6C13}"/>
+              </a:ext>
+            </a:extLst>
+          </p:cNvPr>
+          <p:cNvGrpSpPr/>
+          <p:nvPr/>
+        </p:nvGrpSpPr>
+        <p:grpSpPr>
+          <a:xfrm>
+            <a:off x="1331640" y="1772816"/>
+            <a:ext cx="5959659" cy="2463726"/>
+            <a:chOff x="1331640" y="1772816"/>
+            <a:chExt cx="5959659" cy="2463726"/>
+          </a:xfrm>
+        </p:grpSpPr>
+        <p:sp>
+          <p:nvSpPr>
+            <p:cNvPr id="22" name="TextBox 21">
+              <a:extLst>
+                <a:ext uri="{FF2B5EF4-FFF2-40B4-BE49-F238E27FC236}">
+                  <a16:creationId xmlns:a16="http://schemas.microsoft.com/office/drawing/2014/main" id="{CADC0070-4B6C-4A75-A5B0-AAAFA1522A6F}"/>
+                </a:ext>
+              </a:extLst>
+            </p:cNvPr>
+            <p:cNvSpPr txBox="1"/>
+            <p:nvPr/>
+          </p:nvSpPr>
+          <p:spPr>
+            <a:xfrm>
+              <a:off x="6446442" y="3901678"/>
+              <a:ext cx="844857" cy="307777"/>
+            </a:xfrm>
+            <a:prstGeom prst="rect">
+              <a:avLst/>
+            </a:prstGeom>
+            <a:noFill/>
+          </p:spPr>
+          <p:txBody>
+            <a:bodyPr wrap="square" rtlCol="0">
+              <a:spAutoFit/>
+            </a:bodyPr>
+            <a:lstStyle/>
+            <a:p>
+              <a:r>
+                <a:rPr lang="ko-KR" altLang="en-US" sz="1400" dirty="0"/>
+                <a:t>시간</a:t>
+              </a:r>
+              <a:r>
+                <a:rPr lang="en-US" altLang="ko-KR" sz="1400" dirty="0"/>
+                <a:t>(s)</a:t>
+              </a:r>
+              <a:endParaRPr lang="ko-KR" altLang="en-US" sz="1400" dirty="0"/>
+            </a:p>
+          </p:txBody>
+        </p:sp>
+        <p:grpSp>
+          <p:nvGrpSpPr>
+            <p:cNvPr id="10" name="그룹 9">
+              <a:extLst>
+                <a:ext uri="{FF2B5EF4-FFF2-40B4-BE49-F238E27FC236}">
+                  <a16:creationId xmlns:a16="http://schemas.microsoft.com/office/drawing/2014/main" id="{47CB77D8-3925-4687-9DCB-31F2785DCF70}"/>
+                </a:ext>
+              </a:extLst>
+            </p:cNvPr>
+            <p:cNvGrpSpPr/>
+            <p:nvPr/>
+          </p:nvGrpSpPr>
+          <p:grpSpPr>
+            <a:xfrm>
+              <a:off x="1331640" y="1772816"/>
+              <a:ext cx="5904654" cy="2463726"/>
+              <a:chOff x="755578" y="1613346"/>
+              <a:chExt cx="6832374" cy="3125935"/>
+            </a:xfrm>
+          </p:grpSpPr>
+          <p:cxnSp>
+            <p:nvCxnSpPr>
+              <p:cNvPr id="3" name="직선 연결선 2">
+                <a:extLst>
+                  <a:ext uri="{FF2B5EF4-FFF2-40B4-BE49-F238E27FC236}">
+                    <a16:creationId xmlns:a16="http://schemas.microsoft.com/office/drawing/2014/main" id="{A87590E2-95A0-4C01-8520-13FC92EC8432}"/>
+                  </a:ext>
+                </a:extLst>
+              </p:cNvPr>
+              <p:cNvCxnSpPr>
+                <a:cxnSpLocks/>
+              </p:cNvCxnSpPr>
+              <p:nvPr/>
+            </p:nvCxnSpPr>
+            <p:spPr>
+              <a:xfrm>
+                <a:off x="1619672" y="1916832"/>
+                <a:ext cx="0" cy="2376264"/>
+              </a:xfrm>
+              <a:prstGeom prst="line">
+                <a:avLst/>
+              </a:prstGeom>
+              <a:ln w="38100">
+                <a:solidFill>
+                  <a:schemeClr val="tx1"/>
+                </a:solidFill>
+                <a:headEnd type="triangle"/>
+                <a:tailEnd type="none"/>
+              </a:ln>
+            </p:spPr>
+            <p:style>
+              <a:lnRef idx="1">
+                <a:schemeClr val="accent1"/>
+              </a:lnRef>
+              <a:fillRef idx="0">
+                <a:schemeClr val="accent1"/>
+              </a:fillRef>
+              <a:effectRef idx="0">
+                <a:schemeClr val="accent1"/>
+              </a:effectRef>
+              <a:fontRef idx="minor">
+                <a:schemeClr val="tx1"/>
+              </a:fontRef>
+            </p:style>
+          </p:cxnSp>
+          <p:cxnSp>
+            <p:nvCxnSpPr>
+              <p:cNvPr id="9" name="직선 연결선 8">
+                <a:extLst>
+                  <a:ext uri="{FF2B5EF4-FFF2-40B4-BE49-F238E27FC236}">
+                    <a16:creationId xmlns:a16="http://schemas.microsoft.com/office/drawing/2014/main" id="{A08FB039-CF33-4F61-852A-BCCC9DBB541A}"/>
+                  </a:ext>
+                </a:extLst>
+              </p:cNvPr>
+              <p:cNvCxnSpPr>
+                <a:cxnSpLocks/>
+              </p:cNvCxnSpPr>
+              <p:nvPr/>
+            </p:nvCxnSpPr>
+            <p:spPr>
+              <a:xfrm flipH="1">
+                <a:off x="1619672" y="4293096"/>
+                <a:ext cx="5968280" cy="0"/>
+              </a:xfrm>
+              <a:prstGeom prst="line">
+                <a:avLst/>
+              </a:prstGeom>
+              <a:ln w="38100">
+                <a:solidFill>
+                  <a:schemeClr val="tx1"/>
+                </a:solidFill>
+                <a:headEnd type="triangle"/>
+                <a:tailEnd type="none"/>
+              </a:ln>
+            </p:spPr>
+            <p:style>
+              <a:lnRef idx="1">
+                <a:schemeClr val="accent1"/>
+              </a:lnRef>
+              <a:fillRef idx="0">
+                <a:schemeClr val="accent1"/>
+              </a:fillRef>
+              <a:effectRef idx="0">
+                <a:schemeClr val="accent1"/>
+              </a:effectRef>
+              <a:fontRef idx="minor">
+                <a:schemeClr val="tx1"/>
+              </a:fontRef>
+            </p:style>
+          </p:cxnSp>
+          <p:cxnSp>
+            <p:nvCxnSpPr>
+              <p:cNvPr id="12" name="직선 연결선 11">
+                <a:extLst>
+                  <a:ext uri="{FF2B5EF4-FFF2-40B4-BE49-F238E27FC236}">
+                    <a16:creationId xmlns:a16="http://schemas.microsoft.com/office/drawing/2014/main" id="{408ECF51-88CD-4F29-80C6-8D8EE350442B}"/>
+                  </a:ext>
+                </a:extLst>
+              </p:cNvPr>
+              <p:cNvCxnSpPr>
+                <a:cxnSpLocks/>
+              </p:cNvCxnSpPr>
+              <p:nvPr/>
+            </p:nvCxnSpPr>
+            <p:spPr>
+              <a:xfrm>
+                <a:off x="3059834" y="2924944"/>
+                <a:ext cx="0" cy="1368152"/>
+              </a:xfrm>
+              <a:prstGeom prst="line">
+                <a:avLst/>
+              </a:prstGeom>
+              <a:ln w="25400">
+                <a:solidFill>
+                  <a:schemeClr val="tx1"/>
+                </a:solidFill>
+                <a:headEnd type="none"/>
+                <a:tailEnd type="none"/>
+              </a:ln>
+            </p:spPr>
+            <p:style>
+              <a:lnRef idx="1">
+                <a:schemeClr val="accent1"/>
+              </a:lnRef>
+              <a:fillRef idx="0">
+                <a:schemeClr val="accent1"/>
+              </a:fillRef>
+              <a:effectRef idx="0">
+                <a:schemeClr val="accent1"/>
+              </a:effectRef>
+              <a:fontRef idx="minor">
+                <a:schemeClr val="tx1"/>
+              </a:fontRef>
+            </p:style>
+          </p:cxnSp>
+          <p:cxnSp>
+            <p:nvCxnSpPr>
+              <p:cNvPr id="15" name="직선 연결선 14">
+                <a:extLst>
+                  <a:ext uri="{FF2B5EF4-FFF2-40B4-BE49-F238E27FC236}">
+                    <a16:creationId xmlns:a16="http://schemas.microsoft.com/office/drawing/2014/main" id="{417CE443-4542-4907-8B37-DDA2CD7AACF2}"/>
+                  </a:ext>
+                </a:extLst>
+              </p:cNvPr>
+              <p:cNvCxnSpPr>
+                <a:cxnSpLocks/>
+              </p:cNvCxnSpPr>
+              <p:nvPr/>
+            </p:nvCxnSpPr>
+            <p:spPr>
+              <a:xfrm flipH="1">
+                <a:off x="3059832" y="2924944"/>
+                <a:ext cx="2304256" cy="0"/>
+              </a:xfrm>
+              <a:prstGeom prst="line">
+                <a:avLst/>
+              </a:prstGeom>
+              <a:ln w="25400">
+                <a:solidFill>
+                  <a:schemeClr val="tx1"/>
+                </a:solidFill>
+                <a:headEnd type="none"/>
+                <a:tailEnd type="none"/>
+              </a:ln>
+            </p:spPr>
+            <p:style>
+              <a:lnRef idx="1">
+                <a:schemeClr val="accent1"/>
+              </a:lnRef>
+              <a:fillRef idx="0">
+                <a:schemeClr val="accent1"/>
+              </a:fillRef>
+              <a:effectRef idx="0">
+                <a:schemeClr val="accent1"/>
+              </a:effectRef>
+              <a:fontRef idx="minor">
+                <a:schemeClr val="tx1"/>
+              </a:fontRef>
+            </p:style>
+          </p:cxnSp>
+          <p:cxnSp>
+            <p:nvCxnSpPr>
+              <p:cNvPr id="17" name="직선 연결선 16">
+                <a:extLst>
+                  <a:ext uri="{FF2B5EF4-FFF2-40B4-BE49-F238E27FC236}">
+                    <a16:creationId xmlns:a16="http://schemas.microsoft.com/office/drawing/2014/main" id="{E2072E67-647F-4639-ADD2-8F4C43535933}"/>
+                  </a:ext>
+                </a:extLst>
+              </p:cNvPr>
+              <p:cNvCxnSpPr>
+                <a:cxnSpLocks/>
+              </p:cNvCxnSpPr>
+              <p:nvPr/>
+            </p:nvCxnSpPr>
+            <p:spPr>
+              <a:xfrm flipV="1">
+                <a:off x="5364088" y="2929707"/>
+                <a:ext cx="0" cy="1363389"/>
+              </a:xfrm>
+              <a:prstGeom prst="line">
+                <a:avLst/>
+              </a:prstGeom>
+              <a:ln w="25400">
+                <a:solidFill>
+                  <a:schemeClr val="tx1"/>
+                </a:solidFill>
+                <a:headEnd type="none"/>
+                <a:tailEnd type="none"/>
+              </a:ln>
+            </p:spPr>
+            <p:style>
+              <a:lnRef idx="1">
+                <a:schemeClr val="accent1"/>
+              </a:lnRef>
+              <a:fillRef idx="0">
+                <a:schemeClr val="accent1"/>
+              </a:fillRef>
+              <a:effectRef idx="0">
+                <a:schemeClr val="accent1"/>
+              </a:effectRef>
+              <a:fontRef idx="minor">
+                <a:schemeClr val="tx1"/>
+              </a:fontRef>
+            </p:style>
+          </p:cxnSp>
+          <p:cxnSp>
+            <p:nvCxnSpPr>
+              <p:cNvPr id="20" name="직선 연결선 19">
+                <a:extLst>
+                  <a:ext uri="{FF2B5EF4-FFF2-40B4-BE49-F238E27FC236}">
+                    <a16:creationId xmlns:a16="http://schemas.microsoft.com/office/drawing/2014/main" id="{0C50A85A-C681-4AA8-9862-AA9F5A9F1026}"/>
+                  </a:ext>
+                </a:extLst>
+              </p:cNvPr>
+              <p:cNvCxnSpPr>
+                <a:cxnSpLocks/>
+              </p:cNvCxnSpPr>
+              <p:nvPr/>
+            </p:nvCxnSpPr>
+            <p:spPr>
+              <a:xfrm flipH="1">
+                <a:off x="1619671" y="2934623"/>
+                <a:ext cx="5112569" cy="0"/>
+              </a:xfrm>
+              <a:prstGeom prst="line">
+                <a:avLst/>
+              </a:prstGeom>
+              <a:ln w="12700">
+                <a:solidFill>
+                  <a:schemeClr val="tx1"/>
+                </a:solidFill>
+                <a:prstDash val="dash"/>
+                <a:headEnd type="none"/>
+                <a:tailEnd type="none"/>
+              </a:ln>
+            </p:spPr>
+            <p:style>
+              <a:lnRef idx="1">
+                <a:schemeClr val="accent1"/>
+              </a:lnRef>
+              <a:fillRef idx="0">
+                <a:schemeClr val="accent1"/>
+              </a:fillRef>
+              <a:effectRef idx="0">
+                <a:schemeClr val="accent1"/>
+              </a:effectRef>
+              <a:fontRef idx="minor">
+                <a:schemeClr val="tx1"/>
+              </a:fontRef>
+            </p:style>
+          </p:cxnSp>
+          <p:sp>
+            <p:nvSpPr>
+              <p:cNvPr id="24" name="TextBox 23">
+                <a:extLst>
+                  <a:ext uri="{FF2B5EF4-FFF2-40B4-BE49-F238E27FC236}">
+                    <a16:creationId xmlns:a16="http://schemas.microsoft.com/office/drawing/2014/main" id="{F134B2E2-992A-4006-BCE9-3CBD3C2307BB}"/>
+                  </a:ext>
+                </a:extLst>
+              </p:cNvPr>
+              <p:cNvSpPr txBox="1"/>
+              <p:nvPr/>
+            </p:nvSpPr>
+            <p:spPr>
+              <a:xfrm>
+                <a:off x="755578" y="1613346"/>
+                <a:ext cx="864088" cy="663853"/>
+              </a:xfrm>
+              <a:prstGeom prst="rect">
+                <a:avLst/>
+              </a:prstGeom>
+              <a:noFill/>
+            </p:spPr>
+            <p:txBody>
+              <a:bodyPr wrap="square" rtlCol="0">
+                <a:spAutoFit/>
+              </a:bodyPr>
+              <a:lstStyle/>
+              <a:p>
+                <a:pPr algn="ctr"/>
+                <a:r>
+                  <a:rPr lang="ko-KR" altLang="en-US" sz="1400" dirty="0"/>
+                  <a:t>속도</a:t>
+                </a:r>
+                <a:endParaRPr lang="en-US" altLang="ko-KR" sz="1400" dirty="0"/>
+              </a:p>
+              <a:p>
+                <a:pPr algn="ctr"/>
+                <a:r>
+                  <a:rPr lang="en-US" altLang="ko-KR" sz="1400" dirty="0"/>
+                  <a:t>(mm/s)</a:t>
+                </a:r>
+                <a:endParaRPr lang="ko-KR" altLang="en-US" sz="1400" dirty="0"/>
+              </a:p>
+            </p:txBody>
+          </p:sp>
+          <p:cxnSp>
+            <p:nvCxnSpPr>
+              <p:cNvPr id="25" name="직선 연결선 24">
+                <a:extLst>
+                  <a:ext uri="{FF2B5EF4-FFF2-40B4-BE49-F238E27FC236}">
+                    <a16:creationId xmlns:a16="http://schemas.microsoft.com/office/drawing/2014/main" id="{856D8637-8420-434F-BB63-928FBF494B0B}"/>
+                  </a:ext>
+                </a:extLst>
+              </p:cNvPr>
+              <p:cNvCxnSpPr>
+                <a:cxnSpLocks/>
+              </p:cNvCxnSpPr>
+              <p:nvPr/>
+            </p:nvCxnSpPr>
+            <p:spPr>
+              <a:xfrm>
+                <a:off x="3059832" y="2151072"/>
+                <a:ext cx="0" cy="2150561"/>
+              </a:xfrm>
+              <a:prstGeom prst="line">
+                <a:avLst/>
+              </a:prstGeom>
+              <a:ln w="12700">
+                <a:solidFill>
+                  <a:schemeClr val="tx1"/>
+                </a:solidFill>
+                <a:prstDash val="dash"/>
+                <a:headEnd type="none"/>
+                <a:tailEnd type="none"/>
+              </a:ln>
+            </p:spPr>
+            <p:style>
+              <a:lnRef idx="1">
+                <a:schemeClr val="accent1"/>
+              </a:lnRef>
+              <a:fillRef idx="0">
+                <a:schemeClr val="accent1"/>
+              </a:fillRef>
+              <a:effectRef idx="0">
+                <a:schemeClr val="accent1"/>
+              </a:effectRef>
+              <a:fontRef idx="minor">
+                <a:schemeClr val="tx1"/>
+              </a:fontRef>
+            </p:style>
+          </p:cxnSp>
+          <p:cxnSp>
+            <p:nvCxnSpPr>
+              <p:cNvPr id="28" name="직선 연결선 27">
+                <a:extLst>
+                  <a:ext uri="{FF2B5EF4-FFF2-40B4-BE49-F238E27FC236}">
+                    <a16:creationId xmlns:a16="http://schemas.microsoft.com/office/drawing/2014/main" id="{655011FF-EAB7-4408-8314-F4D4A4AEDF0F}"/>
+                  </a:ext>
+                </a:extLst>
+              </p:cNvPr>
+              <p:cNvCxnSpPr>
+                <a:cxnSpLocks/>
+              </p:cNvCxnSpPr>
+              <p:nvPr/>
+            </p:nvCxnSpPr>
+            <p:spPr>
+              <a:xfrm>
+                <a:off x="5364087" y="2151072"/>
+                <a:ext cx="0" cy="2150561"/>
+              </a:xfrm>
+              <a:prstGeom prst="line">
+                <a:avLst/>
+              </a:prstGeom>
+              <a:ln w="12700">
+                <a:solidFill>
+                  <a:schemeClr val="tx1"/>
+                </a:solidFill>
+                <a:prstDash val="dash"/>
+                <a:headEnd type="none"/>
+                <a:tailEnd type="none"/>
+              </a:ln>
+            </p:spPr>
+            <p:style>
+              <a:lnRef idx="1">
+                <a:schemeClr val="accent1"/>
+              </a:lnRef>
+              <a:fillRef idx="0">
+                <a:schemeClr val="accent1"/>
+              </a:fillRef>
+              <a:effectRef idx="0">
+                <a:schemeClr val="accent1"/>
+              </a:effectRef>
+              <a:fontRef idx="minor">
+                <a:schemeClr val="tx1"/>
+              </a:fontRef>
+            </p:style>
+          </p:cxnSp>
+          <mc:AlternateContent xmlns:mc="http://schemas.openxmlformats.org/markup-compatibility/2006">
+            <mc:Choice xmlns:a14="http://schemas.microsoft.com/office/drawing/2010/main" Requires="a14">
+              <p:sp>
+                <p:nvSpPr>
+                  <p:cNvPr id="29" name="TextBox 28">
+                    <a:extLst>
+                      <a:ext uri="{FF2B5EF4-FFF2-40B4-BE49-F238E27FC236}">
+                        <a16:creationId xmlns:a16="http://schemas.microsoft.com/office/drawing/2014/main" id="{F17A4818-45C2-46EC-992E-48CA10FB8483}"/>
+                      </a:ext>
+                    </a:extLst>
+                  </p:cNvPr>
+                  <p:cNvSpPr txBox="1"/>
+                  <p:nvPr/>
+                </p:nvSpPr>
+                <p:spPr>
+                  <a:xfrm>
+                    <a:off x="2843810" y="4369949"/>
+                    <a:ext cx="432044" cy="369332"/>
+                  </a:xfrm>
+                  <a:prstGeom prst="rect">
+                    <a:avLst/>
+                  </a:prstGeom>
+                  <a:noFill/>
+                </p:spPr>
+                <p:txBody>
+                  <a:bodyPr wrap="square" rtlCol="0">
+                    <a:spAutoFit/>
+                  </a:bodyPr>
+                  <a:lstStyle/>
+                  <a:p>
+                    <a:pPr/>
+                    <a14:m>
+                      <m:oMathPara xmlns:m="http://schemas.openxmlformats.org/officeDocument/2006/math">
+                        <m:oMathParaPr>
+                          <m:jc m:val="centerGroup"/>
+                        </m:oMathParaPr>
+                        <m:oMath xmlns:m="http://schemas.openxmlformats.org/officeDocument/2006/math">
+                          <m:sSub>
+                            <m:sSubPr>
+                              <m:ctrlPr>
+                                <a:rPr lang="en-US" altLang="ko-KR" i="1" dirty="0" smtClean="0">
+                                  <a:latin typeface="Cambria Math" panose="02040503050406030204" pitchFamily="18" charset="0"/>
+                                </a:rPr>
+                              </m:ctrlPr>
+                            </m:sSubPr>
+                            <m:e>
+                              <m:r>
+                                <a:rPr lang="en-US" altLang="ko-KR" b="0" i="1" dirty="0" smtClean="0">
+                                  <a:latin typeface="Cambria Math" panose="02040503050406030204" pitchFamily="18" charset="0"/>
+                                </a:rPr>
+                                <m:t>𝑡</m:t>
+                              </m:r>
+                            </m:e>
+                            <m:sub>
+                              <m:r>
+                                <a:rPr lang="en-US" altLang="ko-KR" b="0" i="1" dirty="0" smtClean="0">
+                                  <a:latin typeface="Cambria Math" panose="02040503050406030204" pitchFamily="18" charset="0"/>
+                                </a:rPr>
+                                <m:t>1</m:t>
+                              </m:r>
+                            </m:sub>
+                          </m:sSub>
+                        </m:oMath>
+                      </m:oMathPara>
+                    </a14:m>
+                    <a:endParaRPr lang="ko-KR" altLang="en-US" dirty="0"/>
+                  </a:p>
+                </p:txBody>
+              </p:sp>
+            </mc:Choice>
+            <mc:Fallback>
+              <p:sp>
+                <p:nvSpPr>
+                  <p:cNvPr id="29" name="TextBox 28">
+                    <a:extLst>
+                      <a:ext uri="{FF2B5EF4-FFF2-40B4-BE49-F238E27FC236}">
+                        <a16:creationId xmlns:a16="http://schemas.microsoft.com/office/drawing/2014/main" id="{F17A4818-45C2-46EC-992E-48CA10FB8483}"/>
+                      </a:ext>
+                    </a:extLst>
+                  </p:cNvPr>
+                  <p:cNvSpPr txBox="1">
+                    <a:spLocks noRot="1" noChangeAspect="1" noMove="1" noResize="1" noEditPoints="1" noAdjustHandles="1" noChangeArrowheads="1" noChangeShapeType="1" noTextEdit="1"/>
+                  </p:cNvSpPr>
+                  <p:nvPr/>
+                </p:nvSpPr>
+                <p:spPr>
+                  <a:xfrm>
+                    <a:off x="2843810" y="4369949"/>
+                    <a:ext cx="432044" cy="369332"/>
+                  </a:xfrm>
+                  <a:prstGeom prst="rect">
+                    <a:avLst/>
+                  </a:prstGeom>
+                  <a:blipFill>
+                    <a:blip r:embed="rId3"/>
+                    <a:stretch>
+                      <a:fillRect b="-25000"/>
+                    </a:stretch>
+                  </a:blipFill>
+                </p:spPr>
+                <p:txBody>
+                  <a:bodyPr/>
+                  <a:lstStyle/>
+                  <a:p>
+                    <a:r>
+                      <a:rPr lang="ko-KR" altLang="en-US">
+                        <a:noFill/>
+                      </a:rPr>
+                      <a:t> </a:t>
+                    </a:r>
+                  </a:p>
+                </p:txBody>
+              </p:sp>
+            </mc:Fallback>
+          </mc:AlternateContent>
+          <mc:AlternateContent xmlns:mc="http://schemas.openxmlformats.org/markup-compatibility/2006">
+            <mc:Choice xmlns:a14="http://schemas.microsoft.com/office/drawing/2010/main" Requires="a14">
+              <p:sp>
+                <p:nvSpPr>
+                  <p:cNvPr id="30" name="TextBox 29">
+                    <a:extLst>
+                      <a:ext uri="{FF2B5EF4-FFF2-40B4-BE49-F238E27FC236}">
+                        <a16:creationId xmlns:a16="http://schemas.microsoft.com/office/drawing/2014/main" id="{A9104722-AEFE-4944-B069-96638B9354E3}"/>
+                      </a:ext>
+                    </a:extLst>
+                  </p:cNvPr>
+                  <p:cNvSpPr txBox="1"/>
+                  <p:nvPr/>
+                </p:nvSpPr>
+                <p:spPr>
+                  <a:xfrm>
+                    <a:off x="5148065" y="4369949"/>
+                    <a:ext cx="432044" cy="369332"/>
+                  </a:xfrm>
+                  <a:prstGeom prst="rect">
+                    <a:avLst/>
+                  </a:prstGeom>
+                  <a:noFill/>
+                </p:spPr>
+                <p:txBody>
+                  <a:bodyPr wrap="square" rtlCol="0">
+                    <a:spAutoFit/>
+                  </a:bodyPr>
+                  <a:lstStyle/>
+                  <a:p>
+                    <a:pPr/>
+                    <a14:m>
+                      <m:oMathPara xmlns:m="http://schemas.openxmlformats.org/officeDocument/2006/math">
+                        <m:oMathParaPr>
+                          <m:jc m:val="centerGroup"/>
+                        </m:oMathParaPr>
+                        <m:oMath xmlns:m="http://schemas.openxmlformats.org/officeDocument/2006/math">
+                          <m:sSub>
+                            <m:sSubPr>
+                              <m:ctrlPr>
+                                <a:rPr lang="en-US" altLang="ko-KR" i="1" dirty="0" smtClean="0">
+                                  <a:latin typeface="Cambria Math" panose="02040503050406030204" pitchFamily="18" charset="0"/>
+                                </a:rPr>
+                              </m:ctrlPr>
+                            </m:sSubPr>
+                            <m:e>
+                              <m:r>
+                                <a:rPr lang="en-US" altLang="ko-KR" b="0" i="1" dirty="0" smtClean="0">
+                                  <a:latin typeface="Cambria Math" panose="02040503050406030204" pitchFamily="18" charset="0"/>
+                                </a:rPr>
+                                <m:t>𝑡</m:t>
+                              </m:r>
+                            </m:e>
+                            <m:sub>
+                              <m:r>
+                                <a:rPr lang="en-US" altLang="ko-KR" b="0" i="1" dirty="0" smtClean="0">
+                                  <a:latin typeface="Cambria Math" panose="02040503050406030204" pitchFamily="18" charset="0"/>
+                                </a:rPr>
+                                <m:t>2</m:t>
+                              </m:r>
+                            </m:sub>
+                          </m:sSub>
+                        </m:oMath>
+                      </m:oMathPara>
+                    </a14:m>
+                    <a:endParaRPr lang="ko-KR" altLang="en-US" dirty="0"/>
+                  </a:p>
+                </p:txBody>
+              </p:sp>
+            </mc:Choice>
+            <mc:Fallback>
+              <p:sp>
+                <p:nvSpPr>
+                  <p:cNvPr id="30" name="TextBox 29">
+                    <a:extLst>
+                      <a:ext uri="{FF2B5EF4-FFF2-40B4-BE49-F238E27FC236}">
+                        <a16:creationId xmlns:a16="http://schemas.microsoft.com/office/drawing/2014/main" id="{A9104722-AEFE-4944-B069-96638B9354E3}"/>
+                      </a:ext>
+                    </a:extLst>
+                  </p:cNvPr>
+                  <p:cNvSpPr txBox="1">
+                    <a:spLocks noRot="1" noChangeAspect="1" noMove="1" noResize="1" noEditPoints="1" noAdjustHandles="1" noChangeArrowheads="1" noChangeShapeType="1" noTextEdit="1"/>
+                  </p:cNvSpPr>
+                  <p:nvPr/>
+                </p:nvSpPr>
+                <p:spPr>
+                  <a:xfrm>
+                    <a:off x="5148065" y="4369949"/>
+                    <a:ext cx="432044" cy="369332"/>
+                  </a:xfrm>
+                  <a:prstGeom prst="rect">
+                    <a:avLst/>
+                  </a:prstGeom>
+                  <a:blipFill>
+                    <a:blip r:embed="rId4"/>
+                    <a:stretch>
+                      <a:fillRect b="-25000"/>
+                    </a:stretch>
+                  </a:blipFill>
+                </p:spPr>
+                <p:txBody>
+                  <a:bodyPr/>
+                  <a:lstStyle/>
+                  <a:p>
+                    <a:r>
+                      <a:rPr lang="ko-KR" altLang="en-US">
+                        <a:noFill/>
+                      </a:rPr>
+                      <a:t> </a:t>
+                    </a:r>
+                  </a:p>
+                </p:txBody>
+              </p:sp>
+            </mc:Fallback>
+          </mc:AlternateContent>
+          <mc:AlternateContent xmlns:mc="http://schemas.openxmlformats.org/markup-compatibility/2006">
+            <mc:Choice xmlns:a14="http://schemas.microsoft.com/office/drawing/2010/main" Requires="a14">
+              <p:sp>
+                <p:nvSpPr>
+                  <p:cNvPr id="31" name="TextBox 30">
+                    <a:extLst>
+                      <a:ext uri="{FF2B5EF4-FFF2-40B4-BE49-F238E27FC236}">
+                        <a16:creationId xmlns:a16="http://schemas.microsoft.com/office/drawing/2014/main" id="{5BAFDC10-A977-4C95-8D91-B18D7C0645B6}"/>
+                      </a:ext>
+                    </a:extLst>
+                  </p:cNvPr>
+                  <p:cNvSpPr txBox="1"/>
+                  <p:nvPr/>
+                </p:nvSpPr>
+                <p:spPr>
+                  <a:xfrm>
+                    <a:off x="6543838" y="4369949"/>
+                    <a:ext cx="432044" cy="369332"/>
+                  </a:xfrm>
+                  <a:prstGeom prst="rect">
+                    <a:avLst/>
+                  </a:prstGeom>
+                  <a:noFill/>
+                </p:spPr>
+                <p:txBody>
+                  <a:bodyPr wrap="square" rtlCol="0">
+                    <a:spAutoFit/>
+                  </a:bodyPr>
+                  <a:lstStyle/>
+                  <a:p>
+                    <a:pPr/>
+                    <a14:m>
+                      <m:oMathPara xmlns:m="http://schemas.openxmlformats.org/officeDocument/2006/math">
+                        <m:oMathParaPr>
+                          <m:jc m:val="centerGroup"/>
+                        </m:oMathParaPr>
+                        <m:oMath xmlns:m="http://schemas.openxmlformats.org/officeDocument/2006/math">
+                          <m:sSub>
+                            <m:sSubPr>
+                              <m:ctrlPr>
+                                <a:rPr lang="en-US" altLang="ko-KR" i="1" dirty="0" smtClean="0">
+                                  <a:latin typeface="Cambria Math" panose="02040503050406030204" pitchFamily="18" charset="0"/>
+                                </a:rPr>
+                              </m:ctrlPr>
+                            </m:sSubPr>
+                            <m:e>
+                              <m:r>
+                                <a:rPr lang="en-US" altLang="ko-KR" b="0" i="1" dirty="0" smtClean="0">
+                                  <a:latin typeface="Cambria Math" panose="02040503050406030204" pitchFamily="18" charset="0"/>
+                                </a:rPr>
+                                <m:t>𝑡</m:t>
+                              </m:r>
+                            </m:e>
+                            <m:sub>
+                              <m:r>
+                                <a:rPr lang="en-US" altLang="ko-KR" b="0" i="1" dirty="0" smtClean="0">
+                                  <a:latin typeface="Cambria Math" panose="02040503050406030204" pitchFamily="18" charset="0"/>
+                                </a:rPr>
+                                <m:t>3</m:t>
+                              </m:r>
+                            </m:sub>
+                          </m:sSub>
+                        </m:oMath>
+                      </m:oMathPara>
+                    </a14:m>
+                    <a:endParaRPr lang="ko-KR" altLang="en-US" dirty="0"/>
+                  </a:p>
+                </p:txBody>
+              </p:sp>
+            </mc:Choice>
+            <mc:Fallback>
+              <p:sp>
+                <p:nvSpPr>
+                  <p:cNvPr id="31" name="TextBox 30">
+                    <a:extLst>
+                      <a:ext uri="{FF2B5EF4-FFF2-40B4-BE49-F238E27FC236}">
+                        <a16:creationId xmlns:a16="http://schemas.microsoft.com/office/drawing/2014/main" id="{5BAFDC10-A977-4C95-8D91-B18D7C0645B6}"/>
+                      </a:ext>
+                    </a:extLst>
+                  </p:cNvPr>
+                  <p:cNvSpPr txBox="1">
+                    <a:spLocks noRot="1" noChangeAspect="1" noMove="1" noResize="1" noEditPoints="1" noAdjustHandles="1" noChangeArrowheads="1" noChangeShapeType="1" noTextEdit="1"/>
+                  </p:cNvSpPr>
+                  <p:nvPr/>
+                </p:nvSpPr>
+                <p:spPr>
+                  <a:xfrm>
+                    <a:off x="6543838" y="4369949"/>
+                    <a:ext cx="432044" cy="369332"/>
+                  </a:xfrm>
+                  <a:prstGeom prst="rect">
+                    <a:avLst/>
+                  </a:prstGeom>
+                  <a:blipFill>
+                    <a:blip r:embed="rId5"/>
+                    <a:stretch>
+                      <a:fillRect b="-25000"/>
+                    </a:stretch>
+                  </a:blipFill>
+                </p:spPr>
+                <p:txBody>
+                  <a:bodyPr/>
+                  <a:lstStyle/>
+                  <a:p>
+                    <a:r>
+                      <a:rPr lang="ko-KR" altLang="en-US">
+                        <a:noFill/>
+                      </a:rPr>
+                      <a:t> </a:t>
+                    </a:r>
+                  </a:p>
+                </p:txBody>
+              </p:sp>
+            </mc:Fallback>
+          </mc:AlternateContent>
+          <p:cxnSp>
+            <p:nvCxnSpPr>
+              <p:cNvPr id="32" name="직선 연결선 31">
+                <a:extLst>
+                  <a:ext uri="{FF2B5EF4-FFF2-40B4-BE49-F238E27FC236}">
+                    <a16:creationId xmlns:a16="http://schemas.microsoft.com/office/drawing/2014/main" id="{407CCD4A-A4CA-4A2F-A984-47EF8AD51B60}"/>
+                  </a:ext>
+                </a:extLst>
+              </p:cNvPr>
+              <p:cNvCxnSpPr>
+                <a:cxnSpLocks/>
+              </p:cNvCxnSpPr>
+              <p:nvPr/>
+            </p:nvCxnSpPr>
+            <p:spPr>
+              <a:xfrm>
+                <a:off x="6732240" y="2151072"/>
+                <a:ext cx="0" cy="2150561"/>
+              </a:xfrm>
+              <a:prstGeom prst="line">
+                <a:avLst/>
+              </a:prstGeom>
+              <a:ln w="12700">
+                <a:solidFill>
+                  <a:schemeClr val="tx1"/>
+                </a:solidFill>
+                <a:prstDash val="dash"/>
+                <a:headEnd type="none"/>
+                <a:tailEnd type="none"/>
+              </a:ln>
+            </p:spPr>
+            <p:style>
+              <a:lnRef idx="1">
+                <a:schemeClr val="accent1"/>
+              </a:lnRef>
+              <a:fillRef idx="0">
+                <a:schemeClr val="accent1"/>
+              </a:fillRef>
+              <a:effectRef idx="0">
+                <a:schemeClr val="accent1"/>
+              </a:effectRef>
+              <a:fontRef idx="minor">
+                <a:schemeClr val="tx1"/>
+              </a:fontRef>
+            </p:style>
+          </p:cxnSp>
+          <mc:AlternateContent xmlns:mc="http://schemas.openxmlformats.org/markup-compatibility/2006">
+            <mc:Choice xmlns:a14="http://schemas.microsoft.com/office/drawing/2010/main" Requires="a14">
+              <p:sp>
+                <p:nvSpPr>
+                  <p:cNvPr id="34" name="TextBox 33">
+                    <a:extLst>
+                      <a:ext uri="{FF2B5EF4-FFF2-40B4-BE49-F238E27FC236}">
+                        <a16:creationId xmlns:a16="http://schemas.microsoft.com/office/drawing/2014/main" id="{94FFDFA5-686D-4377-9821-1A220E6693E3}"/>
+                      </a:ext>
+                    </a:extLst>
+                  </p:cNvPr>
+                  <p:cNvSpPr txBox="1"/>
+                  <p:nvPr/>
+                </p:nvSpPr>
+                <p:spPr>
+                  <a:xfrm>
+                    <a:off x="1187624" y="2703083"/>
+                    <a:ext cx="432044" cy="369332"/>
+                  </a:xfrm>
+                  <a:prstGeom prst="rect">
+                    <a:avLst/>
+                  </a:prstGeom>
+                  <a:noFill/>
+                </p:spPr>
+                <p:txBody>
+                  <a:bodyPr wrap="square" rtlCol="0">
+                    <a:spAutoFit/>
+                  </a:bodyPr>
+                  <a:lstStyle/>
+                  <a:p>
+                    <a:pPr/>
+                    <a14:m>
+                      <m:oMathPara xmlns:m="http://schemas.openxmlformats.org/officeDocument/2006/math">
+                        <m:oMathParaPr>
+                          <m:jc m:val="centerGroup"/>
+                        </m:oMathParaPr>
+                        <m:oMath xmlns:m="http://schemas.openxmlformats.org/officeDocument/2006/math">
+                          <m:r>
+                            <a:rPr lang="en-US" altLang="ko-KR" b="0" i="1" smtClean="0">
+                              <a:latin typeface="Cambria Math" panose="02040503050406030204" pitchFamily="18" charset="0"/>
+                            </a:rPr>
+                            <m:t>𝑣</m:t>
+                          </m:r>
+                        </m:oMath>
+                      </m:oMathPara>
+                    </a14:m>
+                    <a:endParaRPr lang="ko-KR" altLang="en-US" dirty="0"/>
+                  </a:p>
+                </p:txBody>
+              </p:sp>
+            </mc:Choice>
+            <mc:Fallback>
+              <p:sp>
+                <p:nvSpPr>
+                  <p:cNvPr id="34" name="TextBox 33">
+                    <a:extLst>
+                      <a:ext uri="{FF2B5EF4-FFF2-40B4-BE49-F238E27FC236}">
+                        <a16:creationId xmlns:a16="http://schemas.microsoft.com/office/drawing/2014/main" id="{94FFDFA5-686D-4377-9821-1A220E6693E3}"/>
+                      </a:ext>
+                    </a:extLst>
+                  </p:cNvPr>
+                  <p:cNvSpPr txBox="1">
+                    <a:spLocks noRot="1" noChangeAspect="1" noMove="1" noResize="1" noEditPoints="1" noAdjustHandles="1" noChangeArrowheads="1" noChangeShapeType="1" noTextEdit="1"/>
+                  </p:cNvSpPr>
+                  <p:nvPr/>
+                </p:nvSpPr>
+                <p:spPr>
+                  <a:xfrm>
+                    <a:off x="1187624" y="2703083"/>
+                    <a:ext cx="432044" cy="369332"/>
+                  </a:xfrm>
+                  <a:prstGeom prst="rect">
+                    <a:avLst/>
+                  </a:prstGeom>
+                  <a:blipFill>
+                    <a:blip r:embed="rId6"/>
+                    <a:stretch>
+                      <a:fillRect b="-10638"/>
+                    </a:stretch>
+                  </a:blipFill>
+                </p:spPr>
+                <p:txBody>
+                  <a:bodyPr/>
+                  <a:lstStyle/>
+                  <a:p>
+                    <a:r>
+                      <a:rPr lang="ko-KR" altLang="en-US">
+                        <a:noFill/>
+                      </a:rPr>
+                      <a:t> </a:t>
+                    </a:r>
+                  </a:p>
+                </p:txBody>
+              </p:sp>
+            </mc:Fallback>
+          </mc:AlternateContent>
+          <mc:AlternateContent xmlns:mc="http://schemas.openxmlformats.org/markup-compatibility/2006">
+            <mc:Choice xmlns:a14="http://schemas.microsoft.com/office/drawing/2010/main" Requires="a14">
+              <p:sp>
+                <p:nvSpPr>
+                  <p:cNvPr id="35" name="TextBox 34">
+                    <a:extLst>
+                      <a:ext uri="{FF2B5EF4-FFF2-40B4-BE49-F238E27FC236}">
+                        <a16:creationId xmlns:a16="http://schemas.microsoft.com/office/drawing/2014/main" id="{D008D55C-CAD8-441C-8D69-446BA5364AE6}"/>
+                      </a:ext>
+                    </a:extLst>
+                  </p:cNvPr>
+                  <p:cNvSpPr txBox="1"/>
+                  <p:nvPr/>
+                </p:nvSpPr>
+                <p:spPr>
+                  <a:xfrm>
+                    <a:off x="1661652" y="2167682"/>
+                    <a:ext cx="1356186" cy="523220"/>
+                  </a:xfrm>
+                  <a:prstGeom prst="rect">
+                    <a:avLst/>
+                  </a:prstGeom>
+                  <a:noFill/>
+                </p:spPr>
+                <p:txBody>
+                  <a:bodyPr wrap="square" rtlCol="0">
+                    <a:spAutoFit/>
+                  </a:bodyPr>
+                  <a:lstStyle/>
+                  <a:p>
+                    <a:pPr/>
+                    <a14:m>
+                      <m:oMathPara xmlns:m="http://schemas.openxmlformats.org/officeDocument/2006/math">
+                        <m:oMathParaPr>
+                          <m:jc m:val="centerGroup"/>
+                        </m:oMathParaPr>
+                        <m:oMath xmlns:m="http://schemas.openxmlformats.org/officeDocument/2006/math">
+                          <m:r>
+                            <a:rPr lang="en-US" altLang="ko-KR" sz="1400" b="0" i="1" smtClean="0">
+                              <a:latin typeface="Cambria Math" panose="02040503050406030204" pitchFamily="18" charset="0"/>
+                            </a:rPr>
+                            <m:t>𝐴𝑐𝑐𝑒𝑙</m:t>
+                          </m:r>
+                        </m:oMath>
+                      </m:oMathPara>
+                    </a14:m>
+                    <a:endParaRPr lang="en-US" altLang="ko-KR" sz="1400" b="0" i="1" dirty="0">
+                      <a:latin typeface="Cambria Math" panose="02040503050406030204" pitchFamily="18" charset="0"/>
+                    </a:endParaRPr>
+                  </a:p>
+                  <a:p>
+                    <a:pPr/>
+                    <a14:m>
+                      <m:oMathPara xmlns:m="http://schemas.openxmlformats.org/officeDocument/2006/math">
+                        <m:oMathParaPr>
+                          <m:jc m:val="centerGroup"/>
+                        </m:oMathParaPr>
+                        <m:oMath xmlns:m="http://schemas.openxmlformats.org/officeDocument/2006/math">
+                          <m:r>
+                            <a:rPr lang="en-US" altLang="ko-KR" sz="1400" b="0" i="1" smtClean="0">
+                              <a:latin typeface="Cambria Math" panose="02040503050406030204" pitchFamily="18" charset="0"/>
+                            </a:rPr>
+                            <m:t>𝑃𝑒𝑟𝑐𝑒𝑛𝑡</m:t>
+                          </m:r>
+                        </m:oMath>
+                      </m:oMathPara>
+                    </a14:m>
+                    <a:endParaRPr lang="ko-KR" altLang="en-US" sz="1400" dirty="0"/>
+                  </a:p>
+                </p:txBody>
+              </p:sp>
+            </mc:Choice>
+            <mc:Fallback>
+              <p:sp>
+                <p:nvSpPr>
+                  <p:cNvPr id="35" name="TextBox 34">
+                    <a:extLst>
+                      <a:ext uri="{FF2B5EF4-FFF2-40B4-BE49-F238E27FC236}">
+                        <a16:creationId xmlns:a16="http://schemas.microsoft.com/office/drawing/2014/main" id="{D008D55C-CAD8-441C-8D69-446BA5364AE6}"/>
+                      </a:ext>
+                    </a:extLst>
+                  </p:cNvPr>
+                  <p:cNvSpPr txBox="1">
+                    <a:spLocks noRot="1" noChangeAspect="1" noMove="1" noResize="1" noEditPoints="1" noAdjustHandles="1" noChangeArrowheads="1" noChangeShapeType="1" noTextEdit="1"/>
+                  </p:cNvSpPr>
+                  <p:nvPr/>
+                </p:nvSpPr>
+                <p:spPr>
+                  <a:xfrm>
+                    <a:off x="1661652" y="2167682"/>
+                    <a:ext cx="1356186" cy="523220"/>
+                  </a:xfrm>
+                  <a:prstGeom prst="rect">
+                    <a:avLst/>
+                  </a:prstGeom>
+                  <a:blipFill>
+                    <a:blip r:embed="rId7"/>
+                    <a:stretch>
+                      <a:fillRect b="-17647"/>
+                    </a:stretch>
+                  </a:blipFill>
+                </p:spPr>
+                <p:txBody>
+                  <a:bodyPr/>
+                  <a:lstStyle/>
+                  <a:p>
+                    <a:r>
+                      <a:rPr lang="ko-KR" altLang="en-US">
+                        <a:noFill/>
+                      </a:rPr>
+                      <a:t> </a:t>
+                    </a:r>
+                  </a:p>
+                </p:txBody>
+              </p:sp>
+            </mc:Fallback>
+          </mc:AlternateContent>
+          <mc:AlternateContent xmlns:mc="http://schemas.openxmlformats.org/markup-compatibility/2006">
+            <mc:Choice xmlns:a14="http://schemas.microsoft.com/office/drawing/2010/main" Requires="a14">
+              <p:sp>
+                <p:nvSpPr>
+                  <p:cNvPr id="36" name="TextBox 35">
+                    <a:extLst>
+                      <a:ext uri="{FF2B5EF4-FFF2-40B4-BE49-F238E27FC236}">
+                        <a16:creationId xmlns:a16="http://schemas.microsoft.com/office/drawing/2014/main" id="{B030B2C9-A262-42A8-BD4D-4592EB26E6B7}"/>
+                      </a:ext>
+                    </a:extLst>
+                  </p:cNvPr>
+                  <p:cNvSpPr txBox="1"/>
+                  <p:nvPr/>
+                </p:nvSpPr>
+                <p:spPr>
+                  <a:xfrm>
+                    <a:off x="5378341" y="2165797"/>
+                    <a:ext cx="1356186" cy="523220"/>
+                  </a:xfrm>
+                  <a:prstGeom prst="rect">
+                    <a:avLst/>
+                  </a:prstGeom>
+                  <a:noFill/>
+                </p:spPr>
+                <p:txBody>
+                  <a:bodyPr wrap="square" rtlCol="0">
+                    <a:spAutoFit/>
+                  </a:bodyPr>
+                  <a:lstStyle/>
+                  <a:p>
+                    <a:pPr/>
+                    <a14:m>
+                      <m:oMathPara xmlns:m="http://schemas.openxmlformats.org/officeDocument/2006/math">
+                        <m:oMathParaPr>
+                          <m:jc m:val="centerGroup"/>
+                        </m:oMathParaPr>
+                        <m:oMath xmlns:m="http://schemas.openxmlformats.org/officeDocument/2006/math">
+                          <m:r>
+                            <a:rPr lang="en-US" altLang="ko-KR" sz="1400" b="0" i="1" smtClean="0">
+                              <a:latin typeface="Cambria Math" panose="02040503050406030204" pitchFamily="18" charset="0"/>
+                            </a:rPr>
+                            <m:t>𝐷𝑒𝑐𝑒𝑙</m:t>
+                          </m:r>
+                        </m:oMath>
+                      </m:oMathPara>
+                    </a14:m>
+                    <a:endParaRPr lang="en-US" altLang="ko-KR" sz="1400" b="0" i="1" dirty="0">
+                      <a:latin typeface="Cambria Math" panose="02040503050406030204" pitchFamily="18" charset="0"/>
+                    </a:endParaRPr>
+                  </a:p>
+                  <a:p>
+                    <a:pPr/>
+                    <a14:m>
+                      <m:oMathPara xmlns:m="http://schemas.openxmlformats.org/officeDocument/2006/math">
+                        <m:oMathParaPr>
+                          <m:jc m:val="centerGroup"/>
+                        </m:oMathParaPr>
+                        <m:oMath xmlns:m="http://schemas.openxmlformats.org/officeDocument/2006/math">
+                          <m:r>
+                            <a:rPr lang="en-US" altLang="ko-KR" sz="1400" b="0" i="1" smtClean="0">
+                              <a:latin typeface="Cambria Math" panose="02040503050406030204" pitchFamily="18" charset="0"/>
+                            </a:rPr>
+                            <m:t>𝑃𝑒𝑟𝑐𝑒𝑛𝑡</m:t>
+                          </m:r>
+                        </m:oMath>
+                      </m:oMathPara>
+                    </a14:m>
+                    <a:endParaRPr lang="ko-KR" altLang="en-US" sz="1400" dirty="0"/>
+                  </a:p>
+                </p:txBody>
+              </p:sp>
+            </mc:Choice>
+            <mc:Fallback>
+              <p:sp>
+                <p:nvSpPr>
+                  <p:cNvPr id="36" name="TextBox 35">
+                    <a:extLst>
+                      <a:ext uri="{FF2B5EF4-FFF2-40B4-BE49-F238E27FC236}">
+                        <a16:creationId xmlns:a16="http://schemas.microsoft.com/office/drawing/2014/main" id="{B030B2C9-A262-42A8-BD4D-4592EB26E6B7}"/>
+                      </a:ext>
+                    </a:extLst>
+                  </p:cNvPr>
+                  <p:cNvSpPr txBox="1">
+                    <a:spLocks noRot="1" noChangeAspect="1" noMove="1" noResize="1" noEditPoints="1" noAdjustHandles="1" noChangeArrowheads="1" noChangeShapeType="1" noTextEdit="1"/>
+                  </p:cNvSpPr>
+                  <p:nvPr/>
+                </p:nvSpPr>
+                <p:spPr>
+                  <a:xfrm>
+                    <a:off x="5378341" y="2165797"/>
+                    <a:ext cx="1356186" cy="523220"/>
+                  </a:xfrm>
+                  <a:prstGeom prst="rect">
+                    <a:avLst/>
+                  </a:prstGeom>
+                  <a:blipFill>
+                    <a:blip r:embed="rId8"/>
+                    <a:stretch>
+                      <a:fillRect b="-17647"/>
+                    </a:stretch>
+                  </a:blipFill>
+                </p:spPr>
+                <p:txBody>
+                  <a:bodyPr/>
+                  <a:lstStyle/>
+                  <a:p>
+                    <a:r>
+                      <a:rPr lang="ko-KR" altLang="en-US">
+                        <a:noFill/>
+                      </a:rPr>
+                      <a:t> </a:t>
+                    </a:r>
+                  </a:p>
+                </p:txBody>
+              </p:sp>
+            </mc:Fallback>
+          </mc:AlternateContent>
+        </p:grpSp>
+      </p:grpSp>
+    </p:spTree>
+    <p:extLst>
+      <p:ext uri="{BB962C8B-B14F-4D97-AF65-F5344CB8AC3E}">
+        <p14:creationId xmlns:p14="http://schemas.microsoft.com/office/powerpoint/2010/main" val="2196742226"/>
+      </p:ext>
+    </p:extLst>
+  </p:cSld>
+  <p:clrMapOvr>
+    <a:masterClrMapping/>
+  </p:clrMapOvr>
+</p:sld>
+</file>
+
+<file path=ppt/slides/slide8.xml><?xml version="1.0" encoding="utf-8"?>
+<p:sld xmlns:a="http://schemas.openxmlformats.org/drawingml/2006/main" xmlns:r="http://schemas.openxmlformats.org/officeDocument/2006/relationships" xmlns:p="http://schemas.openxmlformats.org/presentationml/2006/main">
+  <p:cSld>
+    <p:spTree>
+      <p:nvGrpSpPr>
+        <p:cNvPr id="1" name=""/>
+        <p:cNvGrpSpPr/>
+        <p:nvPr/>
+      </p:nvGrpSpPr>
+      <p:grpSpPr>
+        <a:xfrm>
+          <a:off x="0" y="0"/>
+          <a:ext cx="0" cy="0"/>
+          <a:chOff x="0" y="0"/>
+          <a:chExt cx="0" cy="0"/>
+        </a:xfrm>
+      </p:grpSpPr>
+      <p:sp>
+        <p:nvSpPr>
+          <p:cNvPr id="11" name="TextBox 10"/>
+          <p:cNvSpPr txBox="1"/>
+          <p:nvPr/>
+        </p:nvSpPr>
+        <p:spPr>
+          <a:xfrm>
+            <a:off x="323528" y="980728"/>
+            <a:ext cx="1641796" cy="400110"/>
+          </a:xfrm>
+          <a:prstGeom prst="rect">
+            <a:avLst/>
+          </a:prstGeom>
+          <a:noFill/>
+        </p:spPr>
+        <p:txBody>
+          <a:bodyPr wrap="none" rtlCol="0">
+            <a:spAutoFit/>
+          </a:bodyPr>
+          <a:lstStyle/>
+          <a:p>
+            <a:r>
+              <a:rPr lang="ko-KR" altLang="en-US" sz="2000" dirty="0">
+                <a:latin typeface="맑은 고딕"/>
+                <a:ea typeface="맑은 고딕"/>
+              </a:rPr>
+              <a:t>▣ </a:t>
+            </a:r>
+            <a:r>
+              <a:rPr lang="ko-KR" altLang="en-US" sz="2000" dirty="0">
+                <a:latin typeface="HY견고딕" panose="02030600000101010101" pitchFamily="18" charset="-127"/>
+                <a:ea typeface="HY견고딕" panose="02030600000101010101" pitchFamily="18" charset="-127"/>
+              </a:rPr>
+              <a:t>위치 계산</a:t>
+            </a:r>
+            <a:endParaRPr lang="en-US" altLang="ko-KR" sz="2000" dirty="0">
+              <a:latin typeface="HY견고딕" panose="02030600000101010101" pitchFamily="18" charset="-127"/>
+              <a:ea typeface="HY견고딕" panose="02030600000101010101" pitchFamily="18" charset="-127"/>
+            </a:endParaRPr>
+          </a:p>
+        </p:txBody>
+      </p:sp>
+      <p:sp>
+        <p:nvSpPr>
+          <p:cNvPr id="7" name="TextBox 6"/>
+          <p:cNvSpPr txBox="1"/>
+          <p:nvPr/>
+        </p:nvSpPr>
+        <p:spPr>
+          <a:xfrm>
+            <a:off x="323528" y="169476"/>
+            <a:ext cx="8640960" cy="523220"/>
+          </a:xfrm>
+          <a:prstGeom prst="rect">
+            <a:avLst/>
+          </a:prstGeom>
+          <a:noFill/>
+        </p:spPr>
+        <p:txBody>
+          <a:bodyPr wrap="square" rtlCol="0">
+            <a:spAutoFit/>
+          </a:bodyPr>
+          <a:lstStyle/>
+          <a:p>
+            <a:pPr latinLnBrk="0"/>
+            <a:r>
+              <a:rPr lang="en-US" altLang="ko-KR" sz="2800" b="1" kern="0" dirty="0">
+                <a:ln>
+                  <a:solidFill>
+                    <a:prstClr val="white">
+                      <a:alpha val="0"/>
+                    </a:prstClr>
+                  </a:solidFill>
+                </a:ln>
+                <a:solidFill>
+                  <a:srgbClr val="1F497D">
+                    <a:lumMod val="50000"/>
+                  </a:srgbClr>
+                </a:solidFill>
+                <a:latin typeface="HY견고딕" pitchFamily="18" charset="-127"/>
+                <a:ea typeface="HY견고딕" pitchFamily="18" charset="-127"/>
+                <a:cs typeface="Arial" panose="020B0604020202020204" pitchFamily="34" charset="0"/>
+              </a:rPr>
+              <a:t>3. </a:t>
+            </a:r>
+            <a:r>
+              <a:rPr lang="ko-KR" altLang="en-US" sz="2800" b="1" kern="0" dirty="0">
+                <a:ln>
+                  <a:solidFill>
+                    <a:prstClr val="white">
+                      <a:alpha val="0"/>
+                    </a:prstClr>
+                  </a:solidFill>
+                </a:ln>
+                <a:solidFill>
+                  <a:srgbClr val="1F497D">
+                    <a:lumMod val="50000"/>
+                  </a:srgbClr>
+                </a:solidFill>
+                <a:latin typeface="HY견고딕" pitchFamily="18" charset="-127"/>
+                <a:ea typeface="HY견고딕" pitchFamily="18" charset="-127"/>
+                <a:cs typeface="Arial" panose="020B0604020202020204" pitchFamily="34" charset="0"/>
+              </a:rPr>
+              <a:t>이동 평균 프로파일</a:t>
+            </a:r>
+            <a:endParaRPr lang="ko-KR" altLang="en-US" sz="2800" b="1" kern="0" spc="-150" dirty="0">
+              <a:gradFill>
+                <a:gsLst>
+                  <a:gs pos="100000">
+                    <a:schemeClr val="tx2">
+                      <a:lumMod val="75000"/>
+                    </a:schemeClr>
+                  </a:gs>
+                  <a:gs pos="100000">
+                    <a:prstClr val="black">
+                      <a:lumMod val="85000"/>
+                      <a:lumOff val="15000"/>
+                    </a:prstClr>
+                  </a:gs>
+                </a:gsLst>
+                <a:lin ang="5400000" scaled="1"/>
+              </a:gradFill>
+              <a:latin typeface="-윤고딕330" panose="02030504000101010101" pitchFamily="18" charset="-127"/>
+              <a:ea typeface="-윤고딕330" panose="02030504000101010101" pitchFamily="18" charset="-127"/>
+              <a:cs typeface="Arial" panose="020B0604020202020204" pitchFamily="34" charset="0"/>
+            </a:endParaRPr>
+          </a:p>
+        </p:txBody>
+      </p:sp>
+      <p:sp>
+        <p:nvSpPr>
+          <p:cNvPr id="56" name="TextBox 55">
+            <a:extLst>
+              <a:ext uri="{FF2B5EF4-FFF2-40B4-BE49-F238E27FC236}">
+                <a16:creationId xmlns:a16="http://schemas.microsoft.com/office/drawing/2014/main" id="{AF9A62CD-AB92-4CFA-9108-1A2BC7805598}"/>
+              </a:ext>
+            </a:extLst>
+          </p:cNvPr>
+          <p:cNvSpPr txBox="1"/>
+          <p:nvPr/>
+        </p:nvSpPr>
+        <p:spPr>
+          <a:xfrm>
+            <a:off x="488437" y="2534858"/>
+            <a:ext cx="8167126" cy="646331"/>
+          </a:xfrm>
+          <a:prstGeom prst="rect">
+            <a:avLst/>
+          </a:prstGeom>
+          <a:noFill/>
+        </p:spPr>
+        <p:txBody>
+          <a:bodyPr wrap="square" rtlCol="0">
+            <a:spAutoFit/>
+          </a:bodyPr>
+          <a:lstStyle/>
+          <a:p>
+            <a:pPr marL="285750" indent="-285750">
+              <a:buFontTx/>
+              <a:buChar char="-"/>
+            </a:pPr>
+            <a:r>
+              <a:rPr lang="ko-KR" altLang="en-US" dirty="0">
+                <a:latin typeface="맑은 고딕" panose="020B0503020000020004" pitchFamily="50" charset="-127"/>
+                <a:ea typeface="맑은 고딕" panose="020B0503020000020004" pitchFamily="50" charset="-127"/>
+              </a:rPr>
+              <a:t>배열</a:t>
+            </a:r>
+            <a:r>
+              <a:rPr lang="en-US" altLang="ko-KR" dirty="0">
+                <a:latin typeface="맑은 고딕" panose="020B0503020000020004" pitchFamily="50" charset="-127"/>
+                <a:ea typeface="맑은 고딕" panose="020B0503020000020004" pitchFamily="50" charset="-127"/>
+              </a:rPr>
+              <a:t>[]</a:t>
+            </a:r>
+            <a:r>
+              <a:rPr lang="ko-KR" altLang="en-US" dirty="0">
+                <a:latin typeface="맑은 고딕" panose="020B0503020000020004" pitchFamily="50" charset="-127"/>
+                <a:ea typeface="맑은 고딕" panose="020B0503020000020004" pitchFamily="50" charset="-127"/>
+              </a:rPr>
+              <a:t>을 생성하여 </a:t>
+            </a:r>
+            <a:r>
+              <a:rPr lang="en-US" altLang="ko-KR" dirty="0">
+                <a:latin typeface="맑은 고딕" panose="020B0503020000020004" pitchFamily="50" charset="-127"/>
+                <a:ea typeface="맑은 고딕" panose="020B0503020000020004" pitchFamily="50" charset="-127"/>
+              </a:rPr>
+              <a:t>t</a:t>
+            </a:r>
+            <a:r>
+              <a:rPr lang="ko-KR" altLang="en-US" dirty="0">
+                <a:latin typeface="맑은 고딕" panose="020B0503020000020004" pitchFamily="50" charset="-127"/>
+                <a:ea typeface="맑은 고딕" panose="020B0503020000020004" pitchFamily="50" charset="-127"/>
+              </a:rPr>
+              <a:t>에 대한 </a:t>
+            </a:r>
+            <a:r>
+              <a:rPr lang="ko-KR" altLang="en-US" dirty="0" err="1">
+                <a:latin typeface="맑은 고딕" panose="020B0503020000020004" pitchFamily="50" charset="-127"/>
+                <a:ea typeface="맑은 고딕" panose="020B0503020000020004" pitchFamily="50" charset="-127"/>
+              </a:rPr>
+              <a:t>위치값을</a:t>
+            </a:r>
+            <a:r>
+              <a:rPr lang="ko-KR" altLang="en-US" dirty="0">
+                <a:latin typeface="맑은 고딕" panose="020B0503020000020004" pitchFamily="50" charset="-127"/>
+                <a:ea typeface="맑은 고딕" panose="020B0503020000020004" pitchFamily="50" charset="-127"/>
+              </a:rPr>
+              <a:t> 넣어 배열 크기로 나눈 값을 </a:t>
+            </a:r>
+            <a:r>
+              <a:rPr lang="en-US" altLang="ko-KR" dirty="0">
+                <a:latin typeface="맑은 고딕" panose="020B0503020000020004" pitchFamily="50" charset="-127"/>
+                <a:ea typeface="맑은 고딕" panose="020B0503020000020004" pitchFamily="50" charset="-127"/>
+              </a:rPr>
+              <a:t>t</a:t>
+            </a:r>
+            <a:r>
+              <a:rPr lang="ko-KR" altLang="en-US" dirty="0">
+                <a:latin typeface="맑은 고딕" panose="020B0503020000020004" pitchFamily="50" charset="-127"/>
+                <a:ea typeface="맑은 고딕" panose="020B0503020000020004" pitchFamily="50" charset="-127"/>
+              </a:rPr>
+              <a:t>로 설정</a:t>
+            </a:r>
+            <a:endParaRPr lang="en-US" altLang="ko-KR" dirty="0">
+              <a:latin typeface="맑은 고딕" panose="020B0503020000020004" pitchFamily="50" charset="-127"/>
+              <a:ea typeface="맑은 고딕" panose="020B0503020000020004" pitchFamily="50" charset="-127"/>
+            </a:endParaRPr>
+          </a:p>
+          <a:p>
+            <a:r>
+              <a:rPr lang="en-US" altLang="ko-KR" dirty="0">
+                <a:latin typeface="맑은 고딕" panose="020B0503020000020004" pitchFamily="50" charset="-127"/>
+                <a:ea typeface="맑은 고딕" panose="020B0503020000020004" pitchFamily="50" charset="-127"/>
+              </a:rPr>
+              <a:t>    (</a:t>
+            </a:r>
+            <a:r>
+              <a:rPr lang="ko-KR" altLang="en-US" dirty="0">
+                <a:latin typeface="맑은 고딕" panose="020B0503020000020004" pitchFamily="50" charset="-127"/>
+                <a:ea typeface="맑은 고딕" panose="020B0503020000020004" pitchFamily="50" charset="-127"/>
+              </a:rPr>
+              <a:t>이전부터 생성된 값 유지</a:t>
+            </a:r>
+            <a:r>
+              <a:rPr lang="en-US" altLang="ko-KR" dirty="0">
+                <a:latin typeface="맑은 고딕" panose="020B0503020000020004" pitchFamily="50" charset="-127"/>
+                <a:ea typeface="맑은 고딕" panose="020B0503020000020004" pitchFamily="50" charset="-127"/>
+              </a:rPr>
+              <a:t>)</a:t>
+            </a:r>
+          </a:p>
+        </p:txBody>
+      </p:sp>
+      <mc:AlternateContent xmlns:mc="http://schemas.openxmlformats.org/markup-compatibility/2006">
+        <mc:Choice xmlns:a14="http://schemas.microsoft.com/office/drawing/2010/main" Requires="a14">
+          <p:sp>
+            <p:nvSpPr>
+              <p:cNvPr id="57" name="TextBox 56">
+                <a:extLst>
+                  <a:ext uri="{FF2B5EF4-FFF2-40B4-BE49-F238E27FC236}">
+                    <a16:creationId xmlns:a16="http://schemas.microsoft.com/office/drawing/2014/main" id="{6D58F183-2F7B-420B-80A2-F74815D1364A}"/>
+                  </a:ext>
+                </a:extLst>
+              </p:cNvPr>
+              <p:cNvSpPr txBox="1"/>
+              <p:nvPr/>
+            </p:nvSpPr>
+            <p:spPr>
+              <a:xfrm>
+                <a:off x="1763688" y="1642205"/>
+                <a:ext cx="6552728" cy="660630"/>
+              </a:xfrm>
+              <a:prstGeom prst="rect">
+                <a:avLst/>
+              </a:prstGeom>
+              <a:noFill/>
+            </p:spPr>
+            <p:txBody>
+              <a:bodyPr wrap="square" rtlCol="0">
+                <a:spAutoFit/>
+              </a:bodyPr>
+              <a:lstStyle/>
+              <a:p>
+                <a:pPr marL="285750" indent="-285750">
+                  <a:buFont typeface="Arial" panose="020B0604020202020204" pitchFamily="34" charset="0"/>
+                  <a:buChar char="•"/>
+                </a:pPr>
+                <a14:m>
+                  <m:oMath xmlns:m="http://schemas.openxmlformats.org/officeDocument/2006/math">
+                    <m:r>
+                      <a:rPr lang="en-US" altLang="ko-KR" sz="2400" b="0" i="1" smtClean="0">
+                        <a:latin typeface="Cambria Math" panose="02040503050406030204" pitchFamily="18" charset="0"/>
+                      </a:rPr>
+                      <m:t>𝑠</m:t>
+                    </m:r>
+                    <m:r>
+                      <a:rPr lang="en-US" altLang="ko-KR" sz="2400" b="0" i="1" smtClean="0">
+                        <a:latin typeface="Cambria Math" panose="02040503050406030204" pitchFamily="18" charset="0"/>
+                      </a:rPr>
+                      <m:t>=</m:t>
+                    </m:r>
+                    <m:f>
+                      <m:fPr>
+                        <m:ctrlPr>
+                          <a:rPr lang="en-US" altLang="ko-KR" sz="2400" b="0" i="1" smtClean="0">
+                            <a:latin typeface="Cambria Math" panose="02040503050406030204" pitchFamily="18" charset="0"/>
+                          </a:rPr>
+                        </m:ctrlPr>
+                      </m:fPr>
+                      <m:num>
+                        <m:sSub>
+                          <m:sSubPr>
+                            <m:ctrlPr>
+                              <a:rPr lang="en-US" altLang="ko-KR" sz="2400" b="0" i="1" smtClean="0">
+                                <a:latin typeface="Cambria Math" panose="02040503050406030204" pitchFamily="18" charset="0"/>
+                              </a:rPr>
+                            </m:ctrlPr>
+                          </m:sSubPr>
+                          <m:e>
+                            <m:r>
+                              <a:rPr lang="en-US" altLang="ko-KR" sz="2400" b="0" i="1" smtClean="0">
+                                <a:latin typeface="Cambria Math" panose="02040503050406030204" pitchFamily="18" charset="0"/>
+                              </a:rPr>
+                              <m:t>𝑆</m:t>
+                            </m:r>
+                          </m:e>
+                          <m:sub>
+                            <m:r>
+                              <a:rPr lang="en-US" altLang="ko-KR" sz="2400" b="0" i="1" smtClean="0">
+                                <a:latin typeface="Cambria Math" panose="02040503050406030204" pitchFamily="18" charset="0"/>
+                              </a:rPr>
+                              <m:t>0</m:t>
+                            </m:r>
+                          </m:sub>
+                        </m:sSub>
+                        <m:r>
+                          <a:rPr lang="en-US" altLang="ko-KR" sz="2400" b="0" i="1" smtClean="0">
+                            <a:latin typeface="Cambria Math" panose="02040503050406030204" pitchFamily="18" charset="0"/>
+                          </a:rPr>
+                          <m:t>+</m:t>
+                        </m:r>
+                        <m:sSub>
+                          <m:sSubPr>
+                            <m:ctrlPr>
+                              <a:rPr lang="en-US" altLang="ko-KR" sz="2400" i="1">
+                                <a:latin typeface="Cambria Math" panose="02040503050406030204" pitchFamily="18" charset="0"/>
+                              </a:rPr>
+                            </m:ctrlPr>
+                          </m:sSubPr>
+                          <m:e>
+                            <m:r>
+                              <a:rPr lang="en-US" altLang="ko-KR" sz="2400" i="1">
+                                <a:latin typeface="Cambria Math" panose="02040503050406030204" pitchFamily="18" charset="0"/>
+                              </a:rPr>
+                              <m:t>𝑆</m:t>
+                            </m:r>
+                          </m:e>
+                          <m:sub>
+                            <m:r>
+                              <a:rPr lang="en-US" altLang="ko-KR" sz="2400" b="0" i="1" smtClean="0">
+                                <a:latin typeface="Cambria Math" panose="02040503050406030204" pitchFamily="18" charset="0"/>
+                              </a:rPr>
+                              <m:t>1</m:t>
+                            </m:r>
+                          </m:sub>
+                        </m:sSub>
+                        <m:r>
+                          <a:rPr lang="en-US" altLang="ko-KR" sz="2400" b="0" i="1" smtClean="0">
+                            <a:latin typeface="Cambria Math" panose="02040503050406030204" pitchFamily="18" charset="0"/>
+                          </a:rPr>
+                          <m:t>+</m:t>
+                        </m:r>
+                        <m:sSub>
+                          <m:sSubPr>
+                            <m:ctrlPr>
+                              <a:rPr lang="en-US" altLang="ko-KR" sz="2400" i="1">
+                                <a:latin typeface="Cambria Math" panose="02040503050406030204" pitchFamily="18" charset="0"/>
+                              </a:rPr>
+                            </m:ctrlPr>
+                          </m:sSubPr>
+                          <m:e>
+                            <m:r>
+                              <a:rPr lang="en-US" altLang="ko-KR" sz="2400" i="1">
+                                <a:latin typeface="Cambria Math" panose="02040503050406030204" pitchFamily="18" charset="0"/>
+                              </a:rPr>
+                              <m:t>𝑆</m:t>
+                            </m:r>
+                          </m:e>
+                          <m:sub>
+                            <m:r>
+                              <a:rPr lang="en-US" altLang="ko-KR" sz="2400" b="0" i="1" smtClean="0">
+                                <a:latin typeface="Cambria Math" panose="02040503050406030204" pitchFamily="18" charset="0"/>
+                              </a:rPr>
+                              <m:t>2</m:t>
+                            </m:r>
+                          </m:sub>
+                        </m:sSub>
+                        <m:r>
+                          <a:rPr lang="en-US" altLang="ko-KR" sz="2400" i="1">
+                            <a:latin typeface="Cambria Math" panose="02040503050406030204" pitchFamily="18" charset="0"/>
+                            <a:ea typeface="Cambria Math" panose="02040503050406030204" pitchFamily="18" charset="0"/>
+                          </a:rPr>
+                          <m:t>∙</m:t>
+                        </m:r>
+                        <m:r>
+                          <a:rPr lang="en-US" altLang="ko-KR" sz="2400" b="0" i="1" smtClean="0">
+                            <a:latin typeface="Cambria Math" panose="02040503050406030204" pitchFamily="18" charset="0"/>
+                            <a:ea typeface="Cambria Math" panose="02040503050406030204" pitchFamily="18" charset="0"/>
+                          </a:rPr>
+                          <m:t> </m:t>
+                        </m:r>
+                        <m:r>
+                          <a:rPr lang="en-US" altLang="ko-KR" sz="2400" i="1">
+                            <a:latin typeface="Cambria Math" panose="02040503050406030204" pitchFamily="18" charset="0"/>
+                            <a:ea typeface="Cambria Math" panose="02040503050406030204" pitchFamily="18" charset="0"/>
+                          </a:rPr>
+                          <m:t>∙</m:t>
+                        </m:r>
+                        <m:r>
+                          <a:rPr lang="en-US" altLang="ko-KR" sz="2400" b="0" i="1" smtClean="0">
+                            <a:latin typeface="Cambria Math" panose="02040503050406030204" pitchFamily="18" charset="0"/>
+                            <a:ea typeface="Cambria Math" panose="02040503050406030204" pitchFamily="18" charset="0"/>
+                          </a:rPr>
+                          <m:t> </m:t>
+                        </m:r>
+                        <m:r>
+                          <a:rPr lang="en-US" altLang="ko-KR" sz="2400" i="1">
+                            <a:latin typeface="Cambria Math" panose="02040503050406030204" pitchFamily="18" charset="0"/>
+                            <a:ea typeface="Cambria Math" panose="02040503050406030204" pitchFamily="18" charset="0"/>
+                          </a:rPr>
+                          <m:t>∙</m:t>
+                        </m:r>
+                        <m:r>
+                          <a:rPr lang="en-US" altLang="ko-KR" sz="2400" b="0" i="1" smtClean="0">
+                            <a:latin typeface="Cambria Math" panose="02040503050406030204" pitchFamily="18" charset="0"/>
+                            <a:ea typeface="Cambria Math" panose="02040503050406030204" pitchFamily="18" charset="0"/>
+                          </a:rPr>
+                          <m:t> +</m:t>
+                        </m:r>
+                        <m:sSub>
+                          <m:sSubPr>
+                            <m:ctrlPr>
+                              <a:rPr lang="en-US" altLang="ko-KR" sz="2400" b="0" i="1" smtClean="0">
+                                <a:latin typeface="Cambria Math" panose="02040503050406030204" pitchFamily="18" charset="0"/>
+                                <a:ea typeface="Cambria Math" panose="02040503050406030204" pitchFamily="18" charset="0"/>
+                              </a:rPr>
+                            </m:ctrlPr>
+                          </m:sSubPr>
+                          <m:e>
+                            <m:r>
+                              <a:rPr lang="en-US" altLang="ko-KR" sz="2400" b="0" i="1" smtClean="0">
+                                <a:latin typeface="Cambria Math" panose="02040503050406030204" pitchFamily="18" charset="0"/>
+                                <a:ea typeface="Cambria Math" panose="02040503050406030204" pitchFamily="18" charset="0"/>
+                              </a:rPr>
+                              <m:t>𝑠</m:t>
+                            </m:r>
+                          </m:e>
+                          <m:sub>
+                            <m:r>
+                              <a:rPr lang="en-US" altLang="ko-KR" sz="2400" b="0" i="1" smtClean="0">
+                                <a:latin typeface="Cambria Math" panose="02040503050406030204" pitchFamily="18" charset="0"/>
+                                <a:ea typeface="Cambria Math" panose="02040503050406030204" pitchFamily="18" charset="0"/>
+                              </a:rPr>
+                              <m:t>𝑛</m:t>
+                            </m:r>
+                          </m:sub>
+                        </m:sSub>
+                      </m:num>
+                      <m:den>
+                        <m:r>
+                          <a:rPr lang="en-US" altLang="ko-KR" sz="2400" b="0" i="1" smtClean="0">
+                            <a:latin typeface="Cambria Math" panose="02040503050406030204" pitchFamily="18" charset="0"/>
+                          </a:rPr>
+                          <m:t> </m:t>
+                        </m:r>
+                        <m:r>
+                          <a:rPr lang="en-US" altLang="ko-KR" sz="2400" b="0" i="1" smtClean="0">
+                            <a:latin typeface="Cambria Math" panose="02040503050406030204" pitchFamily="18" charset="0"/>
+                          </a:rPr>
+                          <m:t>𝑆𝑖𝑧𝑒</m:t>
+                        </m:r>
+                        <m:r>
+                          <a:rPr lang="en-US" altLang="ko-KR" sz="2400" b="0" i="1" smtClean="0">
+                            <a:latin typeface="Cambria Math" panose="02040503050406030204" pitchFamily="18" charset="0"/>
+                          </a:rPr>
+                          <m:t> </m:t>
+                        </m:r>
+                        <m:r>
+                          <a:rPr lang="en-US" altLang="ko-KR" sz="2400" b="0" i="1" smtClean="0">
+                            <a:latin typeface="Cambria Math" panose="02040503050406030204" pitchFamily="18" charset="0"/>
+                          </a:rPr>
+                          <m:t>𝑂𝑓</m:t>
+                        </m:r>
+                        <m:r>
+                          <a:rPr lang="en-US" altLang="ko-KR" sz="2400" b="0" i="1" smtClean="0">
+                            <a:latin typeface="Cambria Math" panose="02040503050406030204" pitchFamily="18" charset="0"/>
+                          </a:rPr>
+                          <m:t> </m:t>
+                        </m:r>
+                        <m:r>
+                          <a:rPr lang="en-US" altLang="ko-KR" sz="2400" b="0" i="1" smtClean="0">
+                            <a:latin typeface="Cambria Math" panose="02040503050406030204" pitchFamily="18" charset="0"/>
+                          </a:rPr>
+                          <m:t>𝐴𝑟𝑟𝑎𝑦</m:t>
+                        </m:r>
+                      </m:den>
+                    </m:f>
+                    <m:r>
+                      <a:rPr lang="en-US" altLang="ko-KR" sz="2400" b="0" i="1" smtClean="0">
+                        <a:latin typeface="Cambria Math" panose="02040503050406030204" pitchFamily="18" charset="0"/>
+                      </a:rPr>
+                      <m:t>              </m:t>
+                    </m:r>
+                    <m:r>
+                      <a:rPr lang="en-US" altLang="ko-KR" i="1">
+                        <a:latin typeface="Cambria Math" panose="02040503050406030204" pitchFamily="18" charset="0"/>
+                      </a:rPr>
+                      <m:t>𝑛</m:t>
+                    </m:r>
+                    <m:r>
+                      <a:rPr lang="en-US" altLang="ko-KR" i="1">
+                        <a:latin typeface="Cambria Math" panose="02040503050406030204" pitchFamily="18" charset="0"/>
+                      </a:rPr>
+                      <m:t>=</m:t>
+                    </m:r>
+                    <m:r>
+                      <a:rPr lang="en-US" altLang="ko-KR" i="1">
+                        <a:latin typeface="Cambria Math" panose="02040503050406030204" pitchFamily="18" charset="0"/>
+                      </a:rPr>
+                      <m:t>𝑆𝑖𝑧𝑒</m:t>
+                    </m:r>
+                    <m:r>
+                      <a:rPr lang="en-US" altLang="ko-KR" i="1">
+                        <a:latin typeface="Cambria Math" panose="02040503050406030204" pitchFamily="18" charset="0"/>
+                      </a:rPr>
+                      <m:t> </m:t>
+                    </m:r>
+                    <m:r>
+                      <a:rPr lang="en-US" altLang="ko-KR" i="1">
+                        <a:latin typeface="Cambria Math" panose="02040503050406030204" pitchFamily="18" charset="0"/>
+                      </a:rPr>
+                      <m:t>𝑜𝑓</m:t>
+                    </m:r>
+                    <m:r>
+                      <a:rPr lang="en-US" altLang="ko-KR" i="1">
+                        <a:latin typeface="Cambria Math" panose="02040503050406030204" pitchFamily="18" charset="0"/>
+                      </a:rPr>
+                      <m:t> </m:t>
+                    </m:r>
+                    <m:r>
+                      <a:rPr lang="en-US" altLang="ko-KR" i="1">
+                        <a:latin typeface="Cambria Math" panose="02040503050406030204" pitchFamily="18" charset="0"/>
+                      </a:rPr>
+                      <m:t>𝐴𝑟𝑟𝑎𝑦</m:t>
+                    </m:r>
+                  </m:oMath>
+                </a14:m>
+                <a:endParaRPr lang="ko-KR" altLang="en-US" dirty="0"/>
+              </a:p>
+            </p:txBody>
+          </p:sp>
+        </mc:Choice>
+        <mc:Fallback>
+          <p:sp>
+            <p:nvSpPr>
+              <p:cNvPr id="57" name="TextBox 56">
+                <a:extLst>
+                  <a:ext uri="{FF2B5EF4-FFF2-40B4-BE49-F238E27FC236}">
+                    <a16:creationId xmlns:a16="http://schemas.microsoft.com/office/drawing/2014/main" id="{6D58F183-2F7B-420B-80A2-F74815D1364A}"/>
+                  </a:ext>
+                </a:extLst>
+              </p:cNvPr>
+              <p:cNvSpPr txBox="1">
+                <a:spLocks noRot="1" noChangeAspect="1" noMove="1" noResize="1" noEditPoints="1" noAdjustHandles="1" noChangeArrowheads="1" noChangeShapeType="1" noTextEdit="1"/>
+              </p:cNvSpPr>
+              <p:nvPr/>
+            </p:nvSpPr>
+            <p:spPr>
+              <a:xfrm>
+                <a:off x="1763688" y="1642205"/>
+                <a:ext cx="6552728" cy="660630"/>
+              </a:xfrm>
+              <a:prstGeom prst="rect">
+                <a:avLst/>
+              </a:prstGeom>
+              <a:blipFill>
+                <a:blip r:embed="rId3"/>
+                <a:stretch>
+                  <a:fillRect/>
+                </a:stretch>
+              </a:blipFill>
+            </p:spPr>
+            <p:txBody>
+              <a:bodyPr/>
+              <a:lstStyle/>
+              <a:p>
+                <a:r>
+                  <a:rPr lang="ko-KR" altLang="en-US">
+                    <a:noFill/>
+                  </a:rPr>
+                  <a:t> </a:t>
+                </a:r>
+              </a:p>
+            </p:txBody>
+          </p:sp>
+        </mc:Fallback>
+      </mc:AlternateContent>
+    </p:spTree>
+    <p:extLst>
+      <p:ext uri="{BB962C8B-B14F-4D97-AF65-F5344CB8AC3E}">
+        <p14:creationId xmlns:p14="http://schemas.microsoft.com/office/powerpoint/2010/main" val="3948939445"/>
       </p:ext>
     </p:extLst>
   </p:cSld>

--- a/02 Scheduler/200414_MotionProfile 정리.pptx
+++ b/02 Scheduler/200414_MotionProfile 정리.pptx
@@ -5,7 +5,7 @@
     <p:sldMasterId id="2147483672" r:id="rId1"/>
   </p:sldMasterIdLst>
   <p:notesMasterIdLst>
-    <p:notesMasterId r:id="rId10"/>
+    <p:notesMasterId r:id="rId11"/>
   </p:notesMasterIdLst>
   <p:sldIdLst>
     <p:sldId id="305" r:id="rId2"/>
@@ -16,42 +16,43 @@
     <p:sldId id="516" r:id="rId7"/>
     <p:sldId id="517" r:id="rId8"/>
     <p:sldId id="518" r:id="rId9"/>
+    <p:sldId id="519" r:id="rId10"/>
   </p:sldIdLst>
   <p:sldSz cx="9144000" cy="6858000" type="screen4x3"/>
   <p:notesSz cx="6797675" cy="9926638"/>
   <p:embeddedFontLst>
     <p:embeddedFont>
       <p:font typeface="-윤고딕320" panose="020B0600000101010101" charset="-127"/>
-      <p:regular r:id="rId11"/>
+      <p:regular r:id="rId12"/>
     </p:embeddedFont>
     <p:embeddedFont>
       <p:font typeface="-윤고딕330" panose="020B0600000101010101" charset="-127"/>
-      <p:regular r:id="rId12"/>
+      <p:regular r:id="rId13"/>
     </p:embeddedFont>
     <p:embeddedFont>
       <p:font typeface="Calibri" panose="020F0502020204030204" pitchFamily="34" charset="0"/>
-      <p:regular r:id="rId13"/>
-      <p:bold r:id="rId14"/>
-      <p:italic r:id="rId15"/>
-      <p:boldItalic r:id="rId16"/>
+      <p:regular r:id="rId14"/>
+      <p:bold r:id="rId15"/>
+      <p:italic r:id="rId16"/>
+      <p:boldItalic r:id="rId17"/>
     </p:embeddedFont>
     <p:embeddedFont>
       <p:font typeface="Calibri Light" panose="020F0302020204030204" pitchFamily="34" charset="0"/>
-      <p:regular r:id="rId17"/>
-      <p:italic r:id="rId18"/>
+      <p:regular r:id="rId18"/>
+      <p:italic r:id="rId19"/>
     </p:embeddedFont>
     <p:embeddedFont>
       <p:font typeface="Cambria Math" panose="02040503050406030204" pitchFamily="18" charset="0"/>
-      <p:regular r:id="rId19"/>
+      <p:regular r:id="rId20"/>
     </p:embeddedFont>
     <p:embeddedFont>
       <p:font typeface="HY견고딕" panose="02030600000101010101" pitchFamily="18" charset="-127"/>
-      <p:regular r:id="rId20"/>
+      <p:regular r:id="rId21"/>
     </p:embeddedFont>
     <p:embeddedFont>
       <p:font typeface="맑은 고딕" panose="020B0503020000020004" pitchFamily="50" charset="-127"/>
-      <p:regular r:id="rId21"/>
-      <p:bold r:id="rId22"/>
+      <p:regular r:id="rId22"/>
+      <p:bold r:id="rId23"/>
     </p:embeddedFont>
   </p:embeddedFontLst>
   <p:defaultTextStyle>
@@ -263,7 +264,7 @@
             <a:fld id="{5A3A39F1-8DBE-4B2C-A5AA-02BE4DE26BF5}" type="datetimeFigureOut">
               <a:rPr lang="ko-KR" altLang="en-US" smtClean="0"/>
               <a:pPr/>
-              <a:t>2020-04-17</a:t>
+              <a:t>2020-04-20</a:t>
             </a:fld>
             <a:endParaRPr lang="ko-KR" altLang="en-US"/>
           </a:p>
@@ -1032,6 +1033,91 @@
     <p:extLst>
       <p:ext uri="{BB962C8B-B14F-4D97-AF65-F5344CB8AC3E}">
         <p14:creationId xmlns:p14="http://schemas.microsoft.com/office/powerpoint/2010/main" val="1510926786"/>
+      </p:ext>
+    </p:extLst>
+  </p:cSld>
+  <p:clrMapOvr>
+    <a:masterClrMapping/>
+  </p:clrMapOvr>
+</p:notes>
+</file>
+
+<file path=ppt/notesSlides/notesSlide7.xml><?xml version="1.0" encoding="utf-8"?>
+<p:notes xmlns:a="http://schemas.openxmlformats.org/drawingml/2006/main" xmlns:r="http://schemas.openxmlformats.org/officeDocument/2006/relationships" xmlns:p="http://schemas.openxmlformats.org/presentationml/2006/main">
+  <p:cSld>
+    <p:spTree>
+      <p:nvGrpSpPr>
+        <p:cNvPr id="1" name=""/>
+        <p:cNvGrpSpPr/>
+        <p:nvPr/>
+      </p:nvGrpSpPr>
+      <p:grpSpPr>
+        <a:xfrm>
+          <a:off x="0" y="0"/>
+          <a:ext cx="0" cy="0"/>
+          <a:chOff x="0" y="0"/>
+          <a:chExt cx="0" cy="0"/>
+        </a:xfrm>
+      </p:grpSpPr>
+      <p:sp>
+        <p:nvSpPr>
+          <p:cNvPr id="2" name="슬라이드 이미지 개체 틀 1"/>
+          <p:cNvSpPr>
+            <a:spLocks noGrp="1" noRot="1" noChangeAspect="1"/>
+          </p:cNvSpPr>
+          <p:nvPr>
+            <p:ph type="sldImg"/>
+          </p:nvPr>
+        </p:nvSpPr>
+        <p:spPr/>
+      </p:sp>
+      <p:sp>
+        <p:nvSpPr>
+          <p:cNvPr id="3" name="슬라이드 노트 개체 틀 2"/>
+          <p:cNvSpPr>
+            <a:spLocks noGrp="1"/>
+          </p:cNvSpPr>
+          <p:nvPr>
+            <p:ph type="body" idx="1"/>
+          </p:nvPr>
+        </p:nvSpPr>
+        <p:spPr/>
+        <p:txBody>
+          <a:bodyPr/>
+          <a:lstStyle/>
+          <a:p>
+            <a:endParaRPr lang="en-US" altLang="ko-KR" dirty="0"/>
+          </a:p>
+        </p:txBody>
+      </p:sp>
+      <p:sp>
+        <p:nvSpPr>
+          <p:cNvPr id="4" name="슬라이드 번호 개체 틀 3"/>
+          <p:cNvSpPr>
+            <a:spLocks noGrp="1"/>
+          </p:cNvSpPr>
+          <p:nvPr>
+            <p:ph type="sldNum" sz="quarter" idx="10"/>
+          </p:nvPr>
+        </p:nvSpPr>
+        <p:spPr/>
+        <p:txBody>
+          <a:bodyPr/>
+          <a:lstStyle/>
+          <a:p>
+            <a:fld id="{28FFD5DF-F421-4615-9A02-33328C180693}" type="slidenum">
+              <a:rPr lang="ko-KR" altLang="en-US" smtClean="0"/>
+              <a:pPr/>
+              <a:t>9</a:t>
+            </a:fld>
+            <a:endParaRPr lang="ko-KR" altLang="en-US"/>
+          </a:p>
+        </p:txBody>
+      </p:sp>
+    </p:spTree>
+    <p:extLst>
+      <p:ext uri="{BB962C8B-B14F-4D97-AF65-F5344CB8AC3E}">
+        <p14:creationId xmlns:p14="http://schemas.microsoft.com/office/powerpoint/2010/main" val="1049810637"/>
       </p:ext>
     </p:extLst>
   </p:cSld>
@@ -9942,7 +10028,7 @@
         </p:nvGrpSpPr>
         <p:grpSpPr>
           <a:xfrm>
-            <a:off x="1331640" y="1772816"/>
+            <a:off x="1403648" y="1556792"/>
             <a:ext cx="5959659" cy="2463726"/>
             <a:chOff x="1331640" y="1772816"/>
             <a:chExt cx="5959659" cy="2463726"/>
@@ -10113,9 +10199,9 @@
               <p:nvPr/>
             </p:nvCxnSpPr>
             <p:spPr>
-              <a:xfrm>
-                <a:off x="3059834" y="2924944"/>
-                <a:ext cx="0" cy="1368152"/>
+              <a:xfrm flipH="1">
+                <a:off x="1617385" y="2924943"/>
+                <a:ext cx="1442450" cy="1368152"/>
               </a:xfrm>
               <a:prstGeom prst="line">
                 <a:avLst/>
@@ -10203,9 +10289,9 @@
               <p:nvPr/>
             </p:nvCxnSpPr>
             <p:spPr>
-              <a:xfrm flipV="1">
-                <a:off x="5364088" y="2929707"/>
-                <a:ext cx="0" cy="1363389"/>
+              <a:xfrm flipH="1" flipV="1">
+                <a:off x="5364088" y="2929706"/>
+                <a:ext cx="1368152" cy="1363389"/>
               </a:xfrm>
               <a:prstGeom prst="line">
                 <a:avLst/>
@@ -10340,7 +10426,7 @@
             </p:nvCxnSpPr>
             <p:spPr>
               <a:xfrm>
-                <a:off x="3059832" y="2151072"/>
+                <a:off x="3059833" y="2151072"/>
                 <a:ext cx="0" cy="2150561"/>
               </a:xfrm>
               <a:prstGeom prst="line">
@@ -10416,8 +10502,8 @@
               </a:fontRef>
             </p:style>
           </p:cxnSp>
-          <mc:AlternateContent xmlns:mc="http://schemas.openxmlformats.org/markup-compatibility/2006">
-            <mc:Choice xmlns:a14="http://schemas.microsoft.com/office/drawing/2010/main" Requires="a14">
+          <mc:AlternateContent xmlns:mc="http://schemas.openxmlformats.org/markup-compatibility/2006" xmlns:a14="http://schemas.microsoft.com/office/drawing/2010/main">
+            <mc:Choice Requires="a14">
               <p:sp>
                 <p:nvSpPr>
                   <p:cNvPr id="29" name="TextBox 28">
@@ -10486,7 +10572,7 @@
                 </p:txBody>
               </p:sp>
             </mc:Choice>
-            <mc:Fallback>
+            <mc:Fallback xmlns="">
               <p:sp>
                 <p:nvSpPr>
                   <p:cNvPr id="29" name="TextBox 28">
@@ -10531,8 +10617,8 @@
               </p:sp>
             </mc:Fallback>
           </mc:AlternateContent>
-          <mc:AlternateContent xmlns:mc="http://schemas.openxmlformats.org/markup-compatibility/2006">
-            <mc:Choice xmlns:a14="http://schemas.microsoft.com/office/drawing/2010/main" Requires="a14">
+          <mc:AlternateContent xmlns:mc="http://schemas.openxmlformats.org/markup-compatibility/2006" xmlns:a14="http://schemas.microsoft.com/office/drawing/2010/main">
+            <mc:Choice Requires="a14">
               <p:sp>
                 <p:nvSpPr>
                   <p:cNvPr id="30" name="TextBox 29">
@@ -10601,7 +10687,7 @@
                 </p:txBody>
               </p:sp>
             </mc:Choice>
-            <mc:Fallback>
+            <mc:Fallback xmlns="">
               <p:sp>
                 <p:nvSpPr>
                   <p:cNvPr id="30" name="TextBox 29">
@@ -10646,8 +10732,8 @@
               </p:sp>
             </mc:Fallback>
           </mc:AlternateContent>
-          <mc:AlternateContent xmlns:mc="http://schemas.openxmlformats.org/markup-compatibility/2006">
-            <mc:Choice xmlns:a14="http://schemas.microsoft.com/office/drawing/2010/main" Requires="a14">
+          <mc:AlternateContent xmlns:mc="http://schemas.openxmlformats.org/markup-compatibility/2006" xmlns:a14="http://schemas.microsoft.com/office/drawing/2010/main">
+            <mc:Choice Requires="a14">
               <p:sp>
                 <p:nvSpPr>
                   <p:cNvPr id="31" name="TextBox 30">
@@ -10716,7 +10802,7 @@
                 </p:txBody>
               </p:sp>
             </mc:Choice>
-            <mc:Fallback>
+            <mc:Fallback xmlns="">
               <p:sp>
                 <p:nvSpPr>
                   <p:cNvPr id="31" name="TextBox 30">
@@ -10807,8 +10893,8 @@
               </a:fontRef>
             </p:style>
           </p:cxnSp>
-          <mc:AlternateContent xmlns:mc="http://schemas.openxmlformats.org/markup-compatibility/2006">
-            <mc:Choice xmlns:a14="http://schemas.microsoft.com/office/drawing/2010/main" Requires="a14">
+          <mc:AlternateContent xmlns:mc="http://schemas.openxmlformats.org/markup-compatibility/2006" xmlns:a14="http://schemas.microsoft.com/office/drawing/2010/main">
+            <mc:Choice Requires="a14">
               <p:sp>
                 <p:nvSpPr>
                   <p:cNvPr id="34" name="TextBox 33">
@@ -10858,7 +10944,7 @@
                 </p:txBody>
               </p:sp>
             </mc:Choice>
-            <mc:Fallback>
+            <mc:Fallback xmlns="">
               <p:sp>
                 <p:nvSpPr>
                   <p:cNvPr id="34" name="TextBox 33">
@@ -10919,7 +11005,7 @@
                 </p:nvSpPr>
                 <p:spPr>
                   <a:xfrm>
-                    <a:off x="1661652" y="2167682"/>
+                    <a:off x="1661652" y="2167683"/>
                     <a:ext cx="1356186" cy="523220"/>
                   </a:xfrm>
                   <a:prstGeom prst="rect">
@@ -10992,7 +11078,7 @@
                 </p:nvSpPr>
                 <p:spPr>
                   <a:xfrm>
-                    <a:off x="1661652" y="2167682"/>
+                    <a:off x="1661652" y="2167683"/>
                     <a:ext cx="1356186" cy="523220"/>
                   </a:xfrm>
                   <a:prstGeom prst="rect">
@@ -11036,7 +11122,7 @@
                 </p:nvSpPr>
                 <p:spPr>
                   <a:xfrm>
-                    <a:off x="5378341" y="2165797"/>
+                    <a:off x="5371731" y="2183692"/>
                     <a:ext cx="1356186" cy="523220"/>
                   </a:xfrm>
                   <a:prstGeom prst="rect">
@@ -11109,7 +11195,7 @@
                 </p:nvSpPr>
                 <p:spPr>
                   <a:xfrm>
-                    <a:off x="5378341" y="2165797"/>
+                    <a:off x="5371731" y="2183692"/>
                     <a:ext cx="1356186" cy="523220"/>
                   </a:xfrm>
                   <a:prstGeom prst="rect">
@@ -11139,172 +11225,12 @@
           </mc:AlternateContent>
         </p:grpSp>
       </p:grpSp>
-    </p:spTree>
-    <p:extLst>
-      <p:ext uri="{BB962C8B-B14F-4D97-AF65-F5344CB8AC3E}">
-        <p14:creationId xmlns:p14="http://schemas.microsoft.com/office/powerpoint/2010/main" val="2196742226"/>
-      </p:ext>
-    </p:extLst>
-  </p:cSld>
-  <p:clrMapOvr>
-    <a:masterClrMapping/>
-  </p:clrMapOvr>
-</p:sld>
-</file>
-
-<file path=ppt/slides/slide8.xml><?xml version="1.0" encoding="utf-8"?>
-<p:sld xmlns:a="http://schemas.openxmlformats.org/drawingml/2006/main" xmlns:r="http://schemas.openxmlformats.org/officeDocument/2006/relationships" xmlns:p="http://schemas.openxmlformats.org/presentationml/2006/main">
-  <p:cSld>
-    <p:spTree>
-      <p:nvGrpSpPr>
-        <p:cNvPr id="1" name=""/>
-        <p:cNvGrpSpPr/>
-        <p:nvPr/>
-      </p:nvGrpSpPr>
-      <p:grpSpPr>
-        <a:xfrm>
-          <a:off x="0" y="0"/>
-          <a:ext cx="0" cy="0"/>
-          <a:chOff x="0" y="0"/>
-          <a:chExt cx="0" cy="0"/>
-        </a:xfrm>
-      </p:grpSpPr>
       <p:sp>
         <p:nvSpPr>
-          <p:cNvPr id="11" name="TextBox 10"/>
-          <p:cNvSpPr txBox="1"/>
-          <p:nvPr/>
-        </p:nvSpPr>
-        <p:spPr>
-          <a:xfrm>
-            <a:off x="323528" y="980728"/>
-            <a:ext cx="1641796" cy="400110"/>
-          </a:xfrm>
-          <a:prstGeom prst="rect">
-            <a:avLst/>
-          </a:prstGeom>
-          <a:noFill/>
-        </p:spPr>
-        <p:txBody>
-          <a:bodyPr wrap="none" rtlCol="0">
-            <a:spAutoFit/>
-          </a:bodyPr>
-          <a:lstStyle/>
-          <a:p>
-            <a:r>
-              <a:rPr lang="ko-KR" altLang="en-US" sz="2000" dirty="0">
-                <a:latin typeface="맑은 고딕"/>
-                <a:ea typeface="맑은 고딕"/>
-              </a:rPr>
-              <a:t>▣ </a:t>
-            </a:r>
-            <a:r>
-              <a:rPr lang="ko-KR" altLang="en-US" sz="2000" dirty="0">
-                <a:latin typeface="HY견고딕" panose="02030600000101010101" pitchFamily="18" charset="-127"/>
-                <a:ea typeface="HY견고딕" panose="02030600000101010101" pitchFamily="18" charset="-127"/>
-              </a:rPr>
-              <a:t>위치 계산</a:t>
-            </a:r>
-            <a:endParaRPr lang="en-US" altLang="ko-KR" sz="2000" dirty="0">
-              <a:latin typeface="HY견고딕" panose="02030600000101010101" pitchFamily="18" charset="-127"/>
-              <a:ea typeface="HY견고딕" panose="02030600000101010101" pitchFamily="18" charset="-127"/>
-            </a:endParaRPr>
-          </a:p>
-        </p:txBody>
-      </p:sp>
-      <p:sp>
-        <p:nvSpPr>
-          <p:cNvPr id="7" name="TextBox 6"/>
-          <p:cNvSpPr txBox="1"/>
-          <p:nvPr/>
-        </p:nvSpPr>
-        <p:spPr>
-          <a:xfrm>
-            <a:off x="323528" y="169476"/>
-            <a:ext cx="8640960" cy="523220"/>
-          </a:xfrm>
-          <a:prstGeom prst="rect">
-            <a:avLst/>
-          </a:prstGeom>
-          <a:noFill/>
-        </p:spPr>
-        <p:txBody>
-          <a:bodyPr wrap="square" rtlCol="0">
-            <a:spAutoFit/>
-          </a:bodyPr>
-          <a:lstStyle/>
-          <a:p>
-            <a:pPr latinLnBrk="0"/>
-            <a:r>
-              <a:rPr lang="en-US" altLang="ko-KR" sz="2800" b="1" kern="0" dirty="0">
-                <a:ln>
-                  <a:solidFill>
-                    <a:prstClr val="white">
-                      <a:alpha val="0"/>
-                    </a:prstClr>
-                  </a:solidFill>
-                </a:ln>
-                <a:solidFill>
-                  <a:srgbClr val="1F497D">
-                    <a:lumMod val="50000"/>
-                  </a:srgbClr>
-                </a:solidFill>
-                <a:latin typeface="HY견고딕" pitchFamily="18" charset="-127"/>
-                <a:ea typeface="HY견고딕" pitchFamily="18" charset="-127"/>
-                <a:cs typeface="Arial" panose="020B0604020202020204" pitchFamily="34" charset="0"/>
-              </a:rPr>
-              <a:t>3. </a:t>
-            </a:r>
-            <a:r>
-              <a:rPr lang="ko-KR" altLang="en-US" sz="2800" b="1" kern="0" dirty="0">
-                <a:ln>
-                  <a:solidFill>
-                    <a:prstClr val="white">
-                      <a:alpha val="0"/>
-                    </a:prstClr>
-                  </a:solidFill>
-                </a:ln>
-                <a:solidFill>
-                  <a:srgbClr val="1F497D">
-                    <a:lumMod val="50000"/>
-                  </a:srgbClr>
-                </a:solidFill>
-                <a:latin typeface="HY견고딕" pitchFamily="18" charset="-127"/>
-                <a:ea typeface="HY견고딕" pitchFamily="18" charset="-127"/>
-                <a:cs typeface="Arial" panose="020B0604020202020204" pitchFamily="34" charset="0"/>
-              </a:rPr>
-              <a:t>이동 평균 프로파일</a:t>
-            </a:r>
-            <a:endParaRPr lang="ko-KR" altLang="en-US" sz="2800" b="1" kern="0" spc="-150" dirty="0">
-              <a:gradFill>
-                <a:gsLst>
-                  <a:gs pos="100000">
-                    <a:schemeClr val="tx2">
-                      <a:lumMod val="75000"/>
-                    </a:schemeClr>
-                  </a:gs>
-                  <a:gs pos="100000">
-                    <a:prstClr val="black">
-                      <a:lumMod val="85000"/>
-                      <a:lumOff val="15000"/>
-                    </a:prstClr>
-                  </a:gs>
-                </a:gsLst>
-                <a:lin ang="5400000" scaled="1"/>
-              </a:gradFill>
-              <a:latin typeface="-윤고딕330" panose="02030504000101010101" pitchFamily="18" charset="-127"/>
-              <a:ea typeface="-윤고딕330" panose="02030504000101010101" pitchFamily="18" charset="-127"/>
-              <a:cs typeface="Arial" panose="020B0604020202020204" pitchFamily="34" charset="0"/>
-            </a:endParaRPr>
-          </a:p>
-        </p:txBody>
-      </p:sp>
-      <p:sp>
-        <p:nvSpPr>
-          <p:cNvPr id="56" name="TextBox 55">
+          <p:cNvPr id="27" name="TextBox 26">
             <a:extLst>
               <a:ext uri="{FF2B5EF4-FFF2-40B4-BE49-F238E27FC236}">
-                <a16:creationId xmlns:a16="http://schemas.microsoft.com/office/drawing/2014/main" id="{AF9A62CD-AB92-4CFA-9108-1A2BC7805598}"/>
+                <a16:creationId xmlns:a16="http://schemas.microsoft.com/office/drawing/2014/main" id="{29704E32-0F7C-4CAA-B80F-66C582E26C41}"/>
               </a:ext>
             </a:extLst>
           </p:cNvPr>
@@ -11313,8 +11239,8 @@
         </p:nvSpPr>
         <p:spPr>
           <a:xfrm>
-            <a:off x="488437" y="2534858"/>
-            <a:ext cx="8167126" cy="646331"/>
+            <a:off x="560445" y="5185248"/>
+            <a:ext cx="8167126" cy="1754326"/>
           </a:xfrm>
           <a:prstGeom prst="rect">
             <a:avLst/>
@@ -11336,63 +11262,7 @@
                 <a:latin typeface="맑은 고딕" panose="020B0503020000020004" pitchFamily="50" charset="-127"/>
                 <a:ea typeface="맑은 고딕" panose="020B0503020000020004" pitchFamily="50" charset="-127"/>
               </a:rPr>
-              <a:t>배열</a:t>
-            </a:r>
-            <a:r>
-              <a:rPr lang="en-US" altLang="ko-KR" dirty="0">
-                <a:latin typeface="맑은 고딕" panose="020B0503020000020004" pitchFamily="50" charset="-127"/>
-                <a:ea typeface="맑은 고딕" panose="020B0503020000020004" pitchFamily="50" charset="-127"/>
-              </a:rPr>
-              <a:t>[]</a:t>
-            </a:r>
-            <a:r>
-              <a:rPr lang="ko-KR" altLang="en-US" dirty="0">
-                <a:latin typeface="맑은 고딕" panose="020B0503020000020004" pitchFamily="50" charset="-127"/>
-                <a:ea typeface="맑은 고딕" panose="020B0503020000020004" pitchFamily="50" charset="-127"/>
-              </a:rPr>
-              <a:t>을 생성하여 </a:t>
-            </a:r>
-            <a:r>
-              <a:rPr lang="en-US" altLang="ko-KR" dirty="0">
-                <a:latin typeface="맑은 고딕" panose="020B0503020000020004" pitchFamily="50" charset="-127"/>
-                <a:ea typeface="맑은 고딕" panose="020B0503020000020004" pitchFamily="50" charset="-127"/>
-              </a:rPr>
-              <a:t>t</a:t>
-            </a:r>
-            <a:r>
-              <a:rPr lang="ko-KR" altLang="en-US" dirty="0">
-                <a:latin typeface="맑은 고딕" panose="020B0503020000020004" pitchFamily="50" charset="-127"/>
-                <a:ea typeface="맑은 고딕" panose="020B0503020000020004" pitchFamily="50" charset="-127"/>
-              </a:rPr>
-              <a:t>에 대한 </a:t>
-            </a:r>
-            <a:r>
-              <a:rPr lang="ko-KR" altLang="en-US" dirty="0" err="1">
-                <a:latin typeface="맑은 고딕" panose="020B0503020000020004" pitchFamily="50" charset="-127"/>
-                <a:ea typeface="맑은 고딕" panose="020B0503020000020004" pitchFamily="50" charset="-127"/>
-              </a:rPr>
-              <a:t>위치값을</a:t>
-            </a:r>
-            <a:r>
-              <a:rPr lang="ko-KR" altLang="en-US" dirty="0">
-                <a:latin typeface="맑은 고딕" panose="020B0503020000020004" pitchFamily="50" charset="-127"/>
-                <a:ea typeface="맑은 고딕" panose="020B0503020000020004" pitchFamily="50" charset="-127"/>
-              </a:rPr>
-              <a:t> 넣어 배열 크기로 나눈 값을 </a:t>
-            </a:r>
-            <a:r>
-              <a:rPr lang="en-US" altLang="ko-KR" dirty="0">
-                <a:latin typeface="맑은 고딕" panose="020B0503020000020004" pitchFamily="50" charset="-127"/>
-                <a:ea typeface="맑은 고딕" panose="020B0503020000020004" pitchFamily="50" charset="-127"/>
-              </a:rPr>
-              <a:t>t</a:t>
-            </a:r>
-            <a:r>
-              <a:rPr lang="ko-KR" altLang="en-US" dirty="0">
-                <a:latin typeface="맑은 고딕" panose="020B0503020000020004" pitchFamily="50" charset="-127"/>
-                <a:ea typeface="맑은 고딕" panose="020B0503020000020004" pitchFamily="50" charset="-127"/>
-              </a:rPr>
-              <a:t>로 설정</a:t>
+              <a:t>생성된 사다리꼴 속도 프로파일에 이동 평균 실행</a:t>
             </a:r>
             <a:endParaRPr lang="en-US" altLang="ko-KR" dirty="0">
               <a:latin typeface="맑은 고딕" panose="020B0503020000020004" pitchFamily="50" charset="-127"/>
@@ -11400,27 +11270,113 @@
             </a:endParaRPr>
           </a:p>
           <a:p>
+            <a:pPr marL="285750" indent="-285750">
+              <a:buFontTx/>
+              <a:buChar char="-"/>
+            </a:pPr>
+            <a:endParaRPr lang="en-US" altLang="ko-KR" dirty="0">
+              <a:latin typeface="맑은 고딕" panose="020B0503020000020004" pitchFamily="50" charset="-127"/>
+              <a:ea typeface="맑은 고딕" panose="020B0503020000020004" pitchFamily="50" charset="-127"/>
+            </a:endParaRPr>
+          </a:p>
+          <a:p>
+            <a:pPr marL="285750" indent="-285750">
+              <a:buFontTx/>
+              <a:buChar char="-"/>
+            </a:pPr>
+            <a:r>
+              <a:rPr lang="ko-KR" altLang="en-US" dirty="0">
+                <a:latin typeface="맑은 고딕" panose="020B0503020000020004" pitchFamily="50" charset="-127"/>
+              </a:rPr>
+              <a:t>배열</a:t>
+            </a:r>
             <a:r>
               <a:rPr lang="en-US" altLang="ko-KR" dirty="0">
                 <a:latin typeface="맑은 고딕" panose="020B0503020000020004" pitchFamily="50" charset="-127"/>
-                <a:ea typeface="맑은 고딕" panose="020B0503020000020004" pitchFamily="50" charset="-127"/>
+              </a:rPr>
+              <a:t>[]</a:t>
+            </a:r>
+            <a:r>
+              <a:rPr lang="ko-KR" altLang="en-US" dirty="0">
+                <a:latin typeface="맑은 고딕" panose="020B0503020000020004" pitchFamily="50" charset="-127"/>
+              </a:rPr>
+              <a:t>을 생성하여 </a:t>
+            </a:r>
+            <a:r>
+              <a:rPr lang="en-US" altLang="ko-KR" dirty="0">
+                <a:latin typeface="맑은 고딕" panose="020B0503020000020004" pitchFamily="50" charset="-127"/>
+              </a:rPr>
+              <a:t>t</a:t>
+            </a:r>
+            <a:r>
+              <a:rPr lang="ko-KR" altLang="en-US" dirty="0">
+                <a:latin typeface="맑은 고딕" panose="020B0503020000020004" pitchFamily="50" charset="-127"/>
+              </a:rPr>
+              <a:t>에 대한 </a:t>
+            </a:r>
+            <a:r>
+              <a:rPr lang="ko-KR" altLang="en-US" dirty="0" err="1">
+                <a:latin typeface="맑은 고딕" panose="020B0503020000020004" pitchFamily="50" charset="-127"/>
+              </a:rPr>
+              <a:t>위치값을</a:t>
+            </a:r>
+            <a:r>
+              <a:rPr lang="ko-KR" altLang="en-US" dirty="0">
+                <a:latin typeface="맑은 고딕" panose="020B0503020000020004" pitchFamily="50" charset="-127"/>
+              </a:rPr>
+              <a:t> 넣어 배열 크기로 나눈 값을 </a:t>
+            </a:r>
+            <a:r>
+              <a:rPr lang="en-US" altLang="ko-KR" dirty="0">
+                <a:latin typeface="맑은 고딕" panose="020B0503020000020004" pitchFamily="50" charset="-127"/>
+              </a:rPr>
+              <a:t>t</a:t>
+            </a:r>
+            <a:r>
+              <a:rPr lang="ko-KR" altLang="en-US" dirty="0">
+                <a:latin typeface="맑은 고딕" panose="020B0503020000020004" pitchFamily="50" charset="-127"/>
+              </a:rPr>
+              <a:t>로 설정</a:t>
+            </a:r>
+            <a:endParaRPr lang="en-US" altLang="ko-KR" dirty="0">
+              <a:latin typeface="맑은 고딕" panose="020B0503020000020004" pitchFamily="50" charset="-127"/>
+            </a:endParaRPr>
+          </a:p>
+          <a:p>
+            <a:r>
+              <a:rPr lang="en-US" altLang="ko-KR" dirty="0">
+                <a:latin typeface="맑은 고딕" panose="020B0503020000020004" pitchFamily="50" charset="-127"/>
               </a:rPr>
               <a:t>    (</a:t>
             </a:r>
             <a:r>
               <a:rPr lang="ko-KR" altLang="en-US" dirty="0">
                 <a:latin typeface="맑은 고딕" panose="020B0503020000020004" pitchFamily="50" charset="-127"/>
-                <a:ea typeface="맑은 고딕" panose="020B0503020000020004" pitchFamily="50" charset="-127"/>
               </a:rPr>
               <a:t>이전부터 생성된 값 유지</a:t>
             </a:r>
             <a:r>
               <a:rPr lang="en-US" altLang="ko-KR" dirty="0">
                 <a:latin typeface="맑은 고딕" panose="020B0503020000020004" pitchFamily="50" charset="-127"/>
-                <a:ea typeface="맑은 고딕" panose="020B0503020000020004" pitchFamily="50" charset="-127"/>
               </a:rPr>
               <a:t>)</a:t>
             </a:r>
+          </a:p>
+          <a:p>
+            <a:pPr marL="285750" indent="-285750">
+              <a:buFontTx/>
+              <a:buChar char="-"/>
+            </a:pPr>
+            <a:endParaRPr lang="en-US" altLang="ko-KR" dirty="0">
+              <a:latin typeface="맑은 고딕" panose="020B0503020000020004" pitchFamily="50" charset="-127"/>
+              <a:ea typeface="맑은 고딕" panose="020B0503020000020004" pitchFamily="50" charset="-127"/>
+            </a:endParaRPr>
+          </a:p>
+          <a:p>
+            <a:endParaRPr lang="en-US" altLang="ko-KR" dirty="0">
+              <a:latin typeface="맑은 고딕" panose="020B0503020000020004" pitchFamily="50" charset="-127"/>
+              <a:ea typeface="맑은 고딕" panose="020B0503020000020004" pitchFamily="50" charset="-127"/>
+            </a:endParaRPr>
           </a:p>
         </p:txBody>
       </p:sp>
@@ -11428,10 +11384,10 @@
         <mc:Choice xmlns:a14="http://schemas.microsoft.com/office/drawing/2010/main" Requires="a14">
           <p:sp>
             <p:nvSpPr>
-              <p:cNvPr id="57" name="TextBox 56">
+              <p:cNvPr id="33" name="TextBox 32">
                 <a:extLst>
                   <a:ext uri="{FF2B5EF4-FFF2-40B4-BE49-F238E27FC236}">
-                    <a16:creationId xmlns:a16="http://schemas.microsoft.com/office/drawing/2014/main" id="{6D58F183-2F7B-420B-80A2-F74815D1364A}"/>
+                    <a16:creationId xmlns:a16="http://schemas.microsoft.com/office/drawing/2014/main" id="{F781ACA5-A177-463E-A898-1BFC85FE71F5}"/>
                   </a:ext>
                 </a:extLst>
               </p:cNvPr>
@@ -11440,7 +11396,7 @@
             </p:nvSpPr>
             <p:spPr>
               <a:xfrm>
-                <a:off x="1763688" y="1642205"/>
+                <a:off x="1295636" y="4409227"/>
                 <a:ext cx="6552728" cy="660630"/>
               </a:xfrm>
               <a:prstGeom prst="rect">
@@ -11736,10 +11692,10 @@
         <mc:Fallback>
           <p:sp>
             <p:nvSpPr>
-              <p:cNvPr id="57" name="TextBox 56">
+              <p:cNvPr id="33" name="TextBox 32">
                 <a:extLst>
                   <a:ext uri="{FF2B5EF4-FFF2-40B4-BE49-F238E27FC236}">
-                    <a16:creationId xmlns:a16="http://schemas.microsoft.com/office/drawing/2014/main" id="{6D58F183-2F7B-420B-80A2-F74815D1364A}"/>
+                    <a16:creationId xmlns:a16="http://schemas.microsoft.com/office/drawing/2014/main" id="{F781ACA5-A177-463E-A898-1BFC85FE71F5}"/>
                   </a:ext>
                 </a:extLst>
               </p:cNvPr>
@@ -11750,14 +11706,14 @@
             </p:nvSpPr>
             <p:spPr>
               <a:xfrm>
-                <a:off x="1763688" y="1642205"/>
+                <a:off x="1295636" y="4409227"/>
                 <a:ext cx="6552728" cy="660630"/>
               </a:xfrm>
               <a:prstGeom prst="rect">
                 <a:avLst/>
               </a:prstGeom>
               <a:blipFill>
-                <a:blip r:embed="rId3"/>
+                <a:blip r:embed="rId9"/>
                 <a:stretch>
                   <a:fillRect/>
                 </a:stretch>
@@ -11781,7 +11737,327 @@
     </p:spTree>
     <p:extLst>
       <p:ext uri="{BB962C8B-B14F-4D97-AF65-F5344CB8AC3E}">
+        <p14:creationId xmlns:p14="http://schemas.microsoft.com/office/powerpoint/2010/main" val="2196742226"/>
+      </p:ext>
+    </p:extLst>
+  </p:cSld>
+  <p:clrMapOvr>
+    <a:masterClrMapping/>
+  </p:clrMapOvr>
+</p:sld>
+</file>
+
+<file path=ppt/slides/slide8.xml><?xml version="1.0" encoding="utf-8"?>
+<p:sld xmlns:a="http://schemas.openxmlformats.org/drawingml/2006/main" xmlns:r="http://schemas.openxmlformats.org/officeDocument/2006/relationships" xmlns:p="http://schemas.openxmlformats.org/presentationml/2006/main">
+  <p:cSld>
+    <p:spTree>
+      <p:nvGrpSpPr>
+        <p:cNvPr id="1" name=""/>
+        <p:cNvGrpSpPr/>
+        <p:nvPr/>
+      </p:nvGrpSpPr>
+      <p:grpSpPr>
+        <a:xfrm>
+          <a:off x="0" y="0"/>
+          <a:ext cx="0" cy="0"/>
+          <a:chOff x="0" y="0"/>
+          <a:chExt cx="0" cy="0"/>
+        </a:xfrm>
+      </p:grpSpPr>
+      <p:sp>
+        <p:nvSpPr>
+          <p:cNvPr id="11" name="TextBox 10"/>
+          <p:cNvSpPr txBox="1"/>
+          <p:nvPr/>
+        </p:nvSpPr>
+        <p:spPr>
+          <a:xfrm>
+            <a:off x="323528" y="980728"/>
+            <a:ext cx="1641796" cy="400110"/>
+          </a:xfrm>
+          <a:prstGeom prst="rect">
+            <a:avLst/>
+          </a:prstGeom>
+          <a:noFill/>
+        </p:spPr>
+        <p:txBody>
+          <a:bodyPr wrap="none" rtlCol="0">
+            <a:spAutoFit/>
+          </a:bodyPr>
+          <a:lstStyle/>
+          <a:p>
+            <a:r>
+              <a:rPr lang="ko-KR" altLang="en-US" sz="2000" dirty="0">
+                <a:latin typeface="맑은 고딕"/>
+                <a:ea typeface="맑은 고딕"/>
+              </a:rPr>
+              <a:t>▣ </a:t>
+            </a:r>
+            <a:r>
+              <a:rPr lang="ko-KR" altLang="en-US" sz="2000" dirty="0">
+                <a:latin typeface="HY견고딕" panose="02030600000101010101" pitchFamily="18" charset="-127"/>
+                <a:ea typeface="HY견고딕" panose="02030600000101010101" pitchFamily="18" charset="-127"/>
+              </a:rPr>
+              <a:t>위치 계산</a:t>
+            </a:r>
+            <a:endParaRPr lang="en-US" altLang="ko-KR" sz="2000" dirty="0">
+              <a:latin typeface="HY견고딕" panose="02030600000101010101" pitchFamily="18" charset="-127"/>
+              <a:ea typeface="HY견고딕" panose="02030600000101010101" pitchFamily="18" charset="-127"/>
+            </a:endParaRPr>
+          </a:p>
+        </p:txBody>
+      </p:sp>
+      <p:sp>
+        <p:nvSpPr>
+          <p:cNvPr id="7" name="TextBox 6"/>
+          <p:cNvSpPr txBox="1"/>
+          <p:nvPr/>
+        </p:nvSpPr>
+        <p:spPr>
+          <a:xfrm>
+            <a:off x="323528" y="169476"/>
+            <a:ext cx="8640960" cy="523220"/>
+          </a:xfrm>
+          <a:prstGeom prst="rect">
+            <a:avLst/>
+          </a:prstGeom>
+          <a:noFill/>
+        </p:spPr>
+        <p:txBody>
+          <a:bodyPr wrap="square" rtlCol="0">
+            <a:spAutoFit/>
+          </a:bodyPr>
+          <a:lstStyle/>
+          <a:p>
+            <a:pPr latinLnBrk="0"/>
+            <a:r>
+              <a:rPr lang="en-US" altLang="ko-KR" sz="2800" b="1" kern="0" dirty="0">
+                <a:ln>
+                  <a:solidFill>
+                    <a:prstClr val="white">
+                      <a:alpha val="0"/>
+                    </a:prstClr>
+                  </a:solidFill>
+                </a:ln>
+                <a:solidFill>
+                  <a:srgbClr val="1F497D">
+                    <a:lumMod val="50000"/>
+                  </a:srgbClr>
+                </a:solidFill>
+                <a:latin typeface="HY견고딕" pitchFamily="18" charset="-127"/>
+                <a:ea typeface="HY견고딕" pitchFamily="18" charset="-127"/>
+                <a:cs typeface="Arial" panose="020B0604020202020204" pitchFamily="34" charset="0"/>
+              </a:rPr>
+              <a:t>3. </a:t>
+            </a:r>
+            <a:r>
+              <a:rPr lang="ko-KR" altLang="en-US" sz="2800" b="1" kern="0" dirty="0">
+                <a:ln>
+                  <a:solidFill>
+                    <a:prstClr val="white">
+                      <a:alpha val="0"/>
+                    </a:prstClr>
+                  </a:solidFill>
+                </a:ln>
+                <a:solidFill>
+                  <a:srgbClr val="1F497D">
+                    <a:lumMod val="50000"/>
+                  </a:srgbClr>
+                </a:solidFill>
+                <a:latin typeface="HY견고딕" pitchFamily="18" charset="-127"/>
+                <a:ea typeface="HY견고딕" pitchFamily="18" charset="-127"/>
+                <a:cs typeface="Arial" panose="020B0604020202020204" pitchFamily="34" charset="0"/>
+              </a:rPr>
+              <a:t>이동 평균 프로파일</a:t>
+            </a:r>
+            <a:endParaRPr lang="ko-KR" altLang="en-US" sz="2800" b="1" kern="0" spc="-150" dirty="0">
+              <a:gradFill>
+                <a:gsLst>
+                  <a:gs pos="100000">
+                    <a:schemeClr val="tx2">
+                      <a:lumMod val="75000"/>
+                    </a:schemeClr>
+                  </a:gs>
+                  <a:gs pos="100000">
+                    <a:prstClr val="black">
+                      <a:lumMod val="85000"/>
+                      <a:lumOff val="15000"/>
+                    </a:prstClr>
+                  </a:gs>
+                </a:gsLst>
+                <a:lin ang="5400000" scaled="1"/>
+              </a:gradFill>
+              <a:latin typeface="-윤고딕330" panose="02030504000101010101" pitchFamily="18" charset="-127"/>
+              <a:ea typeface="-윤고딕330" panose="02030504000101010101" pitchFamily="18" charset="-127"/>
+              <a:cs typeface="Arial" panose="020B0604020202020204" pitchFamily="34" charset="0"/>
+            </a:endParaRPr>
+          </a:p>
+        </p:txBody>
+      </p:sp>
+    </p:spTree>
+    <p:extLst>
+      <p:ext uri="{BB962C8B-B14F-4D97-AF65-F5344CB8AC3E}">
         <p14:creationId xmlns:p14="http://schemas.microsoft.com/office/powerpoint/2010/main" val="3948939445"/>
+      </p:ext>
+    </p:extLst>
+  </p:cSld>
+  <p:clrMapOvr>
+    <a:masterClrMapping/>
+  </p:clrMapOvr>
+</p:sld>
+</file>
+
+<file path=ppt/slides/slide9.xml><?xml version="1.0" encoding="utf-8"?>
+<p:sld xmlns:a="http://schemas.openxmlformats.org/drawingml/2006/main" xmlns:r="http://schemas.openxmlformats.org/officeDocument/2006/relationships" xmlns:p="http://schemas.openxmlformats.org/presentationml/2006/main">
+  <p:cSld>
+    <p:spTree>
+      <p:nvGrpSpPr>
+        <p:cNvPr id="1" name=""/>
+        <p:cNvGrpSpPr/>
+        <p:nvPr/>
+      </p:nvGrpSpPr>
+      <p:grpSpPr>
+        <a:xfrm>
+          <a:off x="0" y="0"/>
+          <a:ext cx="0" cy="0"/>
+          <a:chOff x="0" y="0"/>
+          <a:chExt cx="0" cy="0"/>
+        </a:xfrm>
+      </p:grpSpPr>
+      <p:sp>
+        <p:nvSpPr>
+          <p:cNvPr id="11" name="TextBox 10"/>
+          <p:cNvSpPr txBox="1"/>
+          <p:nvPr/>
+        </p:nvSpPr>
+        <p:spPr>
+          <a:xfrm>
+            <a:off x="323528" y="980728"/>
+            <a:ext cx="1641796" cy="400110"/>
+          </a:xfrm>
+          <a:prstGeom prst="rect">
+            <a:avLst/>
+          </a:prstGeom>
+          <a:noFill/>
+        </p:spPr>
+        <p:txBody>
+          <a:bodyPr wrap="none" rtlCol="0">
+            <a:spAutoFit/>
+          </a:bodyPr>
+          <a:lstStyle/>
+          <a:p>
+            <a:r>
+              <a:rPr lang="ko-KR" altLang="en-US" sz="2000" dirty="0">
+                <a:latin typeface="맑은 고딕"/>
+                <a:ea typeface="맑은 고딕"/>
+              </a:rPr>
+              <a:t>▣ </a:t>
+            </a:r>
+            <a:r>
+              <a:rPr lang="ko-KR" altLang="en-US" sz="2000" dirty="0">
+                <a:latin typeface="HY견고딕" panose="02030600000101010101" pitchFamily="18" charset="-127"/>
+                <a:ea typeface="HY견고딕" panose="02030600000101010101" pitchFamily="18" charset="-127"/>
+              </a:rPr>
+              <a:t>위치 계산</a:t>
+            </a:r>
+            <a:endParaRPr lang="en-US" altLang="ko-KR" sz="2000" dirty="0">
+              <a:latin typeface="HY견고딕" panose="02030600000101010101" pitchFamily="18" charset="-127"/>
+              <a:ea typeface="HY견고딕" panose="02030600000101010101" pitchFamily="18" charset="-127"/>
+            </a:endParaRPr>
+          </a:p>
+        </p:txBody>
+      </p:sp>
+      <p:sp>
+        <p:nvSpPr>
+          <p:cNvPr id="7" name="TextBox 6"/>
+          <p:cNvSpPr txBox="1"/>
+          <p:nvPr/>
+        </p:nvSpPr>
+        <p:spPr>
+          <a:xfrm>
+            <a:off x="323528" y="169476"/>
+            <a:ext cx="8640960" cy="523220"/>
+          </a:xfrm>
+          <a:prstGeom prst="rect">
+            <a:avLst/>
+          </a:prstGeom>
+          <a:noFill/>
+        </p:spPr>
+        <p:txBody>
+          <a:bodyPr wrap="square" rtlCol="0">
+            <a:spAutoFit/>
+          </a:bodyPr>
+          <a:lstStyle/>
+          <a:p>
+            <a:pPr latinLnBrk="0"/>
+            <a:r>
+              <a:rPr lang="en-US" altLang="ko-KR" sz="2800" b="1" kern="0" dirty="0">
+                <a:ln>
+                  <a:solidFill>
+                    <a:prstClr val="white">
+                      <a:alpha val="0"/>
+                    </a:prstClr>
+                  </a:solidFill>
+                </a:ln>
+                <a:solidFill>
+                  <a:srgbClr val="1F497D">
+                    <a:lumMod val="50000"/>
+                  </a:srgbClr>
+                </a:solidFill>
+                <a:latin typeface="HY견고딕" pitchFamily="18" charset="-127"/>
+                <a:ea typeface="HY견고딕" pitchFamily="18" charset="-127"/>
+                <a:cs typeface="Arial" panose="020B0604020202020204" pitchFamily="34" charset="0"/>
+              </a:rPr>
+              <a:t>4. </a:t>
+            </a:r>
+            <a:r>
+              <a:rPr lang="ko-KR" altLang="en-US" sz="2800" b="1" kern="0" dirty="0">
+                <a:ln>
+                  <a:solidFill>
+                    <a:prstClr val="white">
+                      <a:alpha val="0"/>
+                    </a:prstClr>
+                  </a:solidFill>
+                </a:ln>
+                <a:solidFill>
+                  <a:srgbClr val="1F497D">
+                    <a:lumMod val="50000"/>
+                  </a:srgbClr>
+                </a:solidFill>
+                <a:latin typeface="HY견고딕" pitchFamily="18" charset="-127"/>
+                <a:ea typeface="HY견고딕" pitchFamily="18" charset="-127"/>
+                <a:cs typeface="Arial" panose="020B0604020202020204" pitchFamily="34" charset="0"/>
+              </a:rPr>
+              <a:t>통신 구현</a:t>
+            </a:r>
+            <a:endParaRPr lang="ko-KR" altLang="en-US" sz="2800" b="1" kern="0" spc="-150" dirty="0">
+              <a:gradFill>
+                <a:gsLst>
+                  <a:gs pos="100000">
+                    <a:schemeClr val="tx2">
+                      <a:lumMod val="75000"/>
+                    </a:schemeClr>
+                  </a:gs>
+                  <a:gs pos="100000">
+                    <a:prstClr val="black">
+                      <a:lumMod val="85000"/>
+                      <a:lumOff val="15000"/>
+                    </a:prstClr>
+                  </a:gs>
+                </a:gsLst>
+                <a:lin ang="5400000" scaled="1"/>
+              </a:gradFill>
+              <a:latin typeface="-윤고딕330" panose="02030504000101010101" pitchFamily="18" charset="-127"/>
+              <a:ea typeface="-윤고딕330" panose="02030504000101010101" pitchFamily="18" charset="-127"/>
+              <a:cs typeface="Arial" panose="020B0604020202020204" pitchFamily="34" charset="0"/>
+            </a:endParaRPr>
+          </a:p>
+        </p:txBody>
+      </p:sp>
+    </p:spTree>
+    <p:extLst>
+      <p:ext uri="{BB962C8B-B14F-4D97-AF65-F5344CB8AC3E}">
+        <p14:creationId xmlns:p14="http://schemas.microsoft.com/office/powerpoint/2010/main" val="2877786625"/>
       </p:ext>
     </p:extLst>
   </p:cSld>
